--- a/24092018/DevOps Journey.pptx
+++ b/24092018/DevOps Journey.pptx
@@ -1,11 +1,11 @@
 
 <file path=ppt/presentation.xml><?xml version="1.0" encoding="utf-8"?>
-<p:presentation xmlns:a="http://schemas.openxmlformats.org/drawingml/2006/main" xmlns:r="http://schemas.openxmlformats.org/officeDocument/2006/relationships" xmlns:p="http://schemas.openxmlformats.org/presentationml/2006/main" autoCompressPictures="0">
+<p:presentation xmlns:a="http://schemas.openxmlformats.org/drawingml/2006/main" xmlns:r="http://schemas.openxmlformats.org/officeDocument/2006/relationships" xmlns:p="http://schemas.openxmlformats.org/presentationml/2006/main" saveSubsetFonts="1" autoCompressPictures="0">
   <p:sldMasterIdLst>
     <p:sldMasterId id="2147483648" r:id="rId1"/>
   </p:sldMasterIdLst>
   <p:notesMasterIdLst>
-    <p:notesMasterId r:id="rId26"/>
+    <p:notesMasterId r:id="rId25"/>
   </p:notesMasterIdLst>
   <p:sldIdLst>
     <p:sldId id="256" r:id="rId2"/>
@@ -30,8 +30,7 @@
     <p:sldId id="264" r:id="rId21"/>
     <p:sldId id="275" r:id="rId22"/>
     <p:sldId id="257" r:id="rId23"/>
-    <p:sldId id="285" r:id="rId24"/>
-    <p:sldId id="284" r:id="rId25"/>
+    <p:sldId id="284" r:id="rId24"/>
   </p:sldIdLst>
   <p:sldSz cx="12192000" cy="6858000"/>
   <p:notesSz cx="6858000" cy="9144000"/>
@@ -1871,14 +1870,35 @@
         </dgm:presLayoutVars>
       </dgm:prSet>
       <dgm:spPr/>
+      <dgm:t>
+        <a:bodyPr/>
+        <a:lstStyle/>
+        <a:p>
+          <a:endParaRPr lang="en-US"/>
+        </a:p>
+      </dgm:t>
     </dgm:pt>
     <dgm:pt modelId="{B3683DE7-3F88-0E49-A927-165A50497CDC}" type="pres">
       <dgm:prSet presAssocID="{A7D1B5FA-27D0-D34A-9E81-199D73E65B64}" presName="sibTrans" presStyleLbl="sibTrans2D1" presStyleIdx="0" presStyleCnt="5"/>
       <dgm:spPr/>
+      <dgm:t>
+        <a:bodyPr/>
+        <a:lstStyle/>
+        <a:p>
+          <a:endParaRPr lang="en-US"/>
+        </a:p>
+      </dgm:t>
     </dgm:pt>
     <dgm:pt modelId="{A3DF8E33-B653-0F48-B7AD-7530032439DB}" type="pres">
       <dgm:prSet presAssocID="{A7D1B5FA-27D0-D34A-9E81-199D73E65B64}" presName="connectorText" presStyleLbl="sibTrans2D1" presStyleIdx="0" presStyleCnt="5"/>
       <dgm:spPr/>
+      <dgm:t>
+        <a:bodyPr/>
+        <a:lstStyle/>
+        <a:p>
+          <a:endParaRPr lang="en-US"/>
+        </a:p>
+      </dgm:t>
     </dgm:pt>
     <dgm:pt modelId="{FC00D68F-3E11-0548-B798-E25757296461}" type="pres">
       <dgm:prSet presAssocID="{24103A08-50DD-2D45-8F3F-D8D83F2EF82A}" presName="node" presStyleLbl="node1" presStyleIdx="1" presStyleCnt="6">
@@ -1887,14 +1907,35 @@
         </dgm:presLayoutVars>
       </dgm:prSet>
       <dgm:spPr/>
+      <dgm:t>
+        <a:bodyPr/>
+        <a:lstStyle/>
+        <a:p>
+          <a:endParaRPr lang="en-US"/>
+        </a:p>
+      </dgm:t>
     </dgm:pt>
     <dgm:pt modelId="{943D73D3-A563-4747-96C7-7D4B9F9873EF}" type="pres">
       <dgm:prSet presAssocID="{C7DDC965-ACD7-954E-8D45-433F0A8CECD0}" presName="sibTrans" presStyleLbl="sibTrans2D1" presStyleIdx="1" presStyleCnt="5"/>
       <dgm:spPr/>
+      <dgm:t>
+        <a:bodyPr/>
+        <a:lstStyle/>
+        <a:p>
+          <a:endParaRPr lang="en-US"/>
+        </a:p>
+      </dgm:t>
     </dgm:pt>
     <dgm:pt modelId="{1A8DCEC5-DE2C-FB47-9DB5-22C13DC718E2}" type="pres">
       <dgm:prSet presAssocID="{C7DDC965-ACD7-954E-8D45-433F0A8CECD0}" presName="connectorText" presStyleLbl="sibTrans2D1" presStyleIdx="1" presStyleCnt="5"/>
       <dgm:spPr/>
+      <dgm:t>
+        <a:bodyPr/>
+        <a:lstStyle/>
+        <a:p>
+          <a:endParaRPr lang="en-US"/>
+        </a:p>
+      </dgm:t>
     </dgm:pt>
     <dgm:pt modelId="{D2DC5188-4AAF-424C-AAC1-E145EA35D376}" type="pres">
       <dgm:prSet presAssocID="{5F447D8E-588E-E442-A2F3-D6E779C52434}" presName="node" presStyleLbl="node1" presStyleIdx="2" presStyleCnt="6">
@@ -1903,14 +1944,35 @@
         </dgm:presLayoutVars>
       </dgm:prSet>
       <dgm:spPr/>
+      <dgm:t>
+        <a:bodyPr/>
+        <a:lstStyle/>
+        <a:p>
+          <a:endParaRPr lang="en-US"/>
+        </a:p>
+      </dgm:t>
     </dgm:pt>
     <dgm:pt modelId="{BAA20CF4-8A5D-6A46-A92A-0D2926C2B85A}" type="pres">
       <dgm:prSet presAssocID="{2200F14D-1575-084D-8EEE-A0040F9B9FE0}" presName="sibTrans" presStyleLbl="sibTrans2D1" presStyleIdx="2" presStyleCnt="5"/>
       <dgm:spPr/>
+      <dgm:t>
+        <a:bodyPr/>
+        <a:lstStyle/>
+        <a:p>
+          <a:endParaRPr lang="en-US"/>
+        </a:p>
+      </dgm:t>
     </dgm:pt>
     <dgm:pt modelId="{04447D33-C0CB-364D-9C0D-9CA48DD87422}" type="pres">
       <dgm:prSet presAssocID="{2200F14D-1575-084D-8EEE-A0040F9B9FE0}" presName="connectorText" presStyleLbl="sibTrans2D1" presStyleIdx="2" presStyleCnt="5"/>
       <dgm:spPr/>
+      <dgm:t>
+        <a:bodyPr/>
+        <a:lstStyle/>
+        <a:p>
+          <a:endParaRPr lang="en-US"/>
+        </a:p>
+      </dgm:t>
     </dgm:pt>
     <dgm:pt modelId="{4A4F0520-8B84-764C-9B02-4400A9E4147C}" type="pres">
       <dgm:prSet presAssocID="{29FFB69E-12D2-B445-BF1C-9769A98541F3}" presName="node" presStyleLbl="node1" presStyleIdx="3" presStyleCnt="6">
@@ -1919,14 +1981,35 @@
         </dgm:presLayoutVars>
       </dgm:prSet>
       <dgm:spPr/>
+      <dgm:t>
+        <a:bodyPr/>
+        <a:lstStyle/>
+        <a:p>
+          <a:endParaRPr lang="en-US"/>
+        </a:p>
+      </dgm:t>
     </dgm:pt>
     <dgm:pt modelId="{EAA73032-CA68-5144-AEAE-FD29A46B02F6}" type="pres">
       <dgm:prSet presAssocID="{D2219A53-0B1B-A345-AD3D-B5AA5C18A976}" presName="sibTrans" presStyleLbl="sibTrans2D1" presStyleIdx="3" presStyleCnt="5"/>
       <dgm:spPr/>
+      <dgm:t>
+        <a:bodyPr/>
+        <a:lstStyle/>
+        <a:p>
+          <a:endParaRPr lang="en-US"/>
+        </a:p>
+      </dgm:t>
     </dgm:pt>
     <dgm:pt modelId="{753B6334-B18B-D14B-8B45-CECD1F1B23DB}" type="pres">
       <dgm:prSet presAssocID="{D2219A53-0B1B-A345-AD3D-B5AA5C18A976}" presName="connectorText" presStyleLbl="sibTrans2D1" presStyleIdx="3" presStyleCnt="5"/>
       <dgm:spPr/>
+      <dgm:t>
+        <a:bodyPr/>
+        <a:lstStyle/>
+        <a:p>
+          <a:endParaRPr lang="en-US"/>
+        </a:p>
+      </dgm:t>
     </dgm:pt>
     <dgm:pt modelId="{C9F98A19-180E-6B4D-8B6C-BDC0383FE7B8}" type="pres">
       <dgm:prSet presAssocID="{DE61B97F-4C42-754B-A22B-480678106F2E}" presName="node" presStyleLbl="node1" presStyleIdx="4" presStyleCnt="6">
@@ -1935,14 +2018,35 @@
         </dgm:presLayoutVars>
       </dgm:prSet>
       <dgm:spPr/>
+      <dgm:t>
+        <a:bodyPr/>
+        <a:lstStyle/>
+        <a:p>
+          <a:endParaRPr lang="en-US"/>
+        </a:p>
+      </dgm:t>
     </dgm:pt>
     <dgm:pt modelId="{61843513-AC08-434A-9C61-3142519D8AD2}" type="pres">
       <dgm:prSet presAssocID="{7EF7393A-300A-6D47-B8A6-E22F97130F49}" presName="sibTrans" presStyleLbl="sibTrans2D1" presStyleIdx="4" presStyleCnt="5"/>
       <dgm:spPr/>
+      <dgm:t>
+        <a:bodyPr/>
+        <a:lstStyle/>
+        <a:p>
+          <a:endParaRPr lang="en-US"/>
+        </a:p>
+      </dgm:t>
     </dgm:pt>
     <dgm:pt modelId="{77E675FC-D239-3F48-91E6-D13865253750}" type="pres">
       <dgm:prSet presAssocID="{7EF7393A-300A-6D47-B8A6-E22F97130F49}" presName="connectorText" presStyleLbl="sibTrans2D1" presStyleIdx="4" presStyleCnt="5"/>
       <dgm:spPr/>
+      <dgm:t>
+        <a:bodyPr/>
+        <a:lstStyle/>
+        <a:p>
+          <a:endParaRPr lang="en-US"/>
+        </a:p>
+      </dgm:t>
     </dgm:pt>
     <dgm:pt modelId="{AA9C5BE9-1E65-5248-B18D-88606C28BB79}" type="pres">
       <dgm:prSet presAssocID="{C3168734-B421-C64D-B8C7-F10C8FF00AAB}" presName="node" presStyleLbl="node1" presStyleIdx="5" presStyleCnt="6">
@@ -1951,32 +2055,39 @@
         </dgm:presLayoutVars>
       </dgm:prSet>
       <dgm:spPr/>
+      <dgm:t>
+        <a:bodyPr/>
+        <a:lstStyle/>
+        <a:p>
+          <a:endParaRPr lang="en-US"/>
+        </a:p>
+      </dgm:t>
     </dgm:pt>
   </dgm:ptLst>
   <dgm:cxnLst>
-    <dgm:cxn modelId="{CC61DB00-DA99-DE4C-93A2-B5997FFDD1B1}" type="presOf" srcId="{2200F14D-1575-084D-8EEE-A0040F9B9FE0}" destId="{04447D33-C0CB-364D-9C0D-9CA48DD87422}" srcOrd="1" destOrd="0" presId="urn:microsoft.com/office/officeart/2005/8/layout/process1"/>
-    <dgm:cxn modelId="{1CCD5F05-D01B-5743-AC24-C29D5A8427F9}" type="presOf" srcId="{7C177375-E1CC-5241-9353-4B2C4B68DFC0}" destId="{D64E6129-BFB0-3544-BA79-12AED92CD41B}" srcOrd="0" destOrd="0" presId="urn:microsoft.com/office/officeart/2005/8/layout/process1"/>
+    <dgm:cxn modelId="{07F90AC6-59E5-4F45-92C7-E04406FCF194}" type="presOf" srcId="{D2219A53-0B1B-A345-AD3D-B5AA5C18A976}" destId="{753B6334-B18B-D14B-8B45-CECD1F1B23DB}" srcOrd="1" destOrd="0" presId="urn:microsoft.com/office/officeart/2005/8/layout/process1"/>
+    <dgm:cxn modelId="{19EBEA1E-8CD8-6D4C-A99C-F96D90C9F417}" type="presOf" srcId="{2200F14D-1575-084D-8EEE-A0040F9B9FE0}" destId="{BAA20CF4-8A5D-6A46-A92A-0D2926C2B85A}" srcOrd="0" destOrd="0" presId="urn:microsoft.com/office/officeart/2005/8/layout/process1"/>
     <dgm:cxn modelId="{2B0D9D06-7246-2645-82EA-6030CB0A6570}" type="presOf" srcId="{C3168734-B421-C64D-B8C7-F10C8FF00AAB}" destId="{AA9C5BE9-1E65-5248-B18D-88606C28BB79}" srcOrd="0" destOrd="0" presId="urn:microsoft.com/office/officeart/2005/8/layout/process1"/>
     <dgm:cxn modelId="{8B67D50A-95EE-CE4C-800B-3707FDE9AAB0}" type="presOf" srcId="{A7D1B5FA-27D0-D34A-9E81-199D73E65B64}" destId="{A3DF8E33-B653-0F48-B7AD-7530032439DB}" srcOrd="1" destOrd="0" presId="urn:microsoft.com/office/officeart/2005/8/layout/process1"/>
+    <dgm:cxn modelId="{518B8511-ED34-C443-B5CB-E0600B4BCD39}" type="presOf" srcId="{D2219A53-0B1B-A345-AD3D-B5AA5C18A976}" destId="{EAA73032-CA68-5144-AEAE-FD29A46B02F6}" srcOrd="0" destOrd="0" presId="urn:microsoft.com/office/officeart/2005/8/layout/process1"/>
+    <dgm:cxn modelId="{210E00D3-1882-AC4A-9941-A58745B3B3F7}" srcId="{6FF7108B-2517-EF4B-A859-C35DDCC949DC}" destId="{7C177375-E1CC-5241-9353-4B2C4B68DFC0}" srcOrd="0" destOrd="0" parTransId="{BF8BC303-4D9C-ED4A-91B5-A3D313B4131C}" sibTransId="{A7D1B5FA-27D0-D34A-9E81-199D73E65B64}"/>
+    <dgm:cxn modelId="{ECAF8175-B9D2-1B4C-9EE7-E571B1E554D0}" srcId="{6FF7108B-2517-EF4B-A859-C35DDCC949DC}" destId="{5F447D8E-588E-E442-A2F3-D6E779C52434}" srcOrd="2" destOrd="0" parTransId="{9FBA8008-47A9-EA41-ACB4-EE8A6D117F60}" sibTransId="{2200F14D-1575-084D-8EEE-A0040F9B9FE0}"/>
+    <dgm:cxn modelId="{4E729528-B996-D140-A2E8-3D6A104AAACC}" srcId="{6FF7108B-2517-EF4B-A859-C35DDCC949DC}" destId="{29FFB69E-12D2-B445-BF1C-9769A98541F3}" srcOrd="3" destOrd="0" parTransId="{4679F650-0094-7F46-849F-015E3205DF14}" sibTransId="{D2219A53-0B1B-A345-AD3D-B5AA5C18A976}"/>
+    <dgm:cxn modelId="{48A9B8E6-826C-604F-884C-45FF0A4B559A}" type="presOf" srcId="{7EF7393A-300A-6D47-B8A6-E22F97130F49}" destId="{77E675FC-D239-3F48-91E6-D13865253750}" srcOrd="1" destOrd="0" presId="urn:microsoft.com/office/officeart/2005/8/layout/process1"/>
+    <dgm:cxn modelId="{83AFF648-71E7-7D4E-A6E0-79680287F1EB}" type="presOf" srcId="{5F447D8E-588E-E442-A2F3-D6E779C52434}" destId="{D2DC5188-4AAF-424C-AAC1-E145EA35D376}" srcOrd="0" destOrd="0" presId="urn:microsoft.com/office/officeart/2005/8/layout/process1"/>
+    <dgm:cxn modelId="{03FF8487-B5E1-284F-8DBC-F74F24982BDF}" type="presOf" srcId="{6FF7108B-2517-EF4B-A859-C35DDCC949DC}" destId="{4726C4EA-528F-3940-8551-D9C77D2BEF97}" srcOrd="0" destOrd="0" presId="urn:microsoft.com/office/officeart/2005/8/layout/process1"/>
+    <dgm:cxn modelId="{FB7D036D-9EA2-1B4F-B5FD-B8C80B732328}" srcId="{6FF7108B-2517-EF4B-A859-C35DDCC949DC}" destId="{DE61B97F-4C42-754B-A22B-480678106F2E}" srcOrd="4" destOrd="0" parTransId="{9B428A20-2AD9-5042-9E75-5C8F492A4F72}" sibTransId="{7EF7393A-300A-6D47-B8A6-E22F97130F49}"/>
+    <dgm:cxn modelId="{C25823FC-F1FF-EC4B-950F-5033F858F0CB}" srcId="{6FF7108B-2517-EF4B-A859-C35DDCC949DC}" destId="{C3168734-B421-C64D-B8C7-F10C8FF00AAB}" srcOrd="5" destOrd="0" parTransId="{B37CBF41-51F0-9A44-A085-C09273740C16}" sibTransId="{5884BD2C-5BF0-7345-B31E-9DE010AF6737}"/>
+    <dgm:cxn modelId="{238A5555-D767-B242-8FA1-F08E7A1F865D}" type="presOf" srcId="{29FFB69E-12D2-B445-BF1C-9769A98541F3}" destId="{4A4F0520-8B84-764C-9B02-4400A9E4147C}" srcOrd="0" destOrd="0" presId="urn:microsoft.com/office/officeart/2005/8/layout/process1"/>
+    <dgm:cxn modelId="{3A97A6A5-A2A6-8A42-AED1-55B3F00C343A}" type="presOf" srcId="{A7D1B5FA-27D0-D34A-9E81-199D73E65B64}" destId="{B3683DE7-3F88-0E49-A927-165A50497CDC}" srcOrd="0" destOrd="0" presId="urn:microsoft.com/office/officeart/2005/8/layout/process1"/>
+    <dgm:cxn modelId="{15CBF551-E8A4-9B4C-9729-0F1BE21F9302}" type="presOf" srcId="{C7DDC965-ACD7-954E-8D45-433F0A8CECD0}" destId="{1A8DCEC5-DE2C-FB47-9DB5-22C13DC718E2}" srcOrd="1" destOrd="0" presId="urn:microsoft.com/office/officeart/2005/8/layout/process1"/>
+    <dgm:cxn modelId="{1CCD5F05-D01B-5743-AC24-C29D5A8427F9}" type="presOf" srcId="{7C177375-E1CC-5241-9353-4B2C4B68DFC0}" destId="{D64E6129-BFB0-3544-BA79-12AED92CD41B}" srcOrd="0" destOrd="0" presId="urn:microsoft.com/office/officeart/2005/8/layout/process1"/>
+    <dgm:cxn modelId="{D5BD8479-768A-3142-A0EE-889B7B30854D}" srcId="{6FF7108B-2517-EF4B-A859-C35DDCC949DC}" destId="{24103A08-50DD-2D45-8F3F-D8D83F2EF82A}" srcOrd="1" destOrd="0" parTransId="{200F286C-F11F-1F49-986D-6E8712242F70}" sibTransId="{C7DDC965-ACD7-954E-8D45-433F0A8CECD0}"/>
+    <dgm:cxn modelId="{5413EB93-C4D1-CF48-83E1-4264994C4CB0}" type="presOf" srcId="{C7DDC965-ACD7-954E-8D45-433F0A8CECD0}" destId="{943D73D3-A563-4747-96C7-7D4B9F9873EF}" srcOrd="0" destOrd="0" presId="urn:microsoft.com/office/officeart/2005/8/layout/process1"/>
+    <dgm:cxn modelId="{95EBCEDF-99BD-9B4D-A63C-E50725DDC129}" type="presOf" srcId="{24103A08-50DD-2D45-8F3F-D8D83F2EF82A}" destId="{FC00D68F-3E11-0548-B798-E25757296461}" srcOrd="0" destOrd="0" presId="urn:microsoft.com/office/officeart/2005/8/layout/process1"/>
+    <dgm:cxn modelId="{CC61DB00-DA99-DE4C-93A2-B5997FFDD1B1}" type="presOf" srcId="{2200F14D-1575-084D-8EEE-A0040F9B9FE0}" destId="{04447D33-C0CB-364D-9C0D-9CA48DD87422}" srcOrd="1" destOrd="0" presId="urn:microsoft.com/office/officeart/2005/8/layout/process1"/>
     <dgm:cxn modelId="{AD29ED0D-DE3B-8A41-8912-B0F679C37A94}" type="presOf" srcId="{7EF7393A-300A-6D47-B8A6-E22F97130F49}" destId="{61843513-AC08-434A-9C61-3142519D8AD2}" srcOrd="0" destOrd="0" presId="urn:microsoft.com/office/officeart/2005/8/layout/process1"/>
-    <dgm:cxn modelId="{518B8511-ED34-C443-B5CB-E0600B4BCD39}" type="presOf" srcId="{D2219A53-0B1B-A345-AD3D-B5AA5C18A976}" destId="{EAA73032-CA68-5144-AEAE-FD29A46B02F6}" srcOrd="0" destOrd="0" presId="urn:microsoft.com/office/officeart/2005/8/layout/process1"/>
-    <dgm:cxn modelId="{19EBEA1E-8CD8-6D4C-A99C-F96D90C9F417}" type="presOf" srcId="{2200F14D-1575-084D-8EEE-A0040F9B9FE0}" destId="{BAA20CF4-8A5D-6A46-A92A-0D2926C2B85A}" srcOrd="0" destOrd="0" presId="urn:microsoft.com/office/officeart/2005/8/layout/process1"/>
-    <dgm:cxn modelId="{4E729528-B996-D140-A2E8-3D6A104AAACC}" srcId="{6FF7108B-2517-EF4B-A859-C35DDCC949DC}" destId="{29FFB69E-12D2-B445-BF1C-9769A98541F3}" srcOrd="3" destOrd="0" parTransId="{4679F650-0094-7F46-849F-015E3205DF14}" sibTransId="{D2219A53-0B1B-A345-AD3D-B5AA5C18A976}"/>
-    <dgm:cxn modelId="{83AFF648-71E7-7D4E-A6E0-79680287F1EB}" type="presOf" srcId="{5F447D8E-588E-E442-A2F3-D6E779C52434}" destId="{D2DC5188-4AAF-424C-AAC1-E145EA35D376}" srcOrd="0" destOrd="0" presId="urn:microsoft.com/office/officeart/2005/8/layout/process1"/>
-    <dgm:cxn modelId="{15CBF551-E8A4-9B4C-9729-0F1BE21F9302}" type="presOf" srcId="{C7DDC965-ACD7-954E-8D45-433F0A8CECD0}" destId="{1A8DCEC5-DE2C-FB47-9DB5-22C13DC718E2}" srcOrd="1" destOrd="0" presId="urn:microsoft.com/office/officeart/2005/8/layout/process1"/>
-    <dgm:cxn modelId="{238A5555-D767-B242-8FA1-F08E7A1F865D}" type="presOf" srcId="{29FFB69E-12D2-B445-BF1C-9769A98541F3}" destId="{4A4F0520-8B84-764C-9B02-4400A9E4147C}" srcOrd="0" destOrd="0" presId="urn:microsoft.com/office/officeart/2005/8/layout/process1"/>
-    <dgm:cxn modelId="{FB7D036D-9EA2-1B4F-B5FD-B8C80B732328}" srcId="{6FF7108B-2517-EF4B-A859-C35DDCC949DC}" destId="{DE61B97F-4C42-754B-A22B-480678106F2E}" srcOrd="4" destOrd="0" parTransId="{9B428A20-2AD9-5042-9E75-5C8F492A4F72}" sibTransId="{7EF7393A-300A-6D47-B8A6-E22F97130F49}"/>
-    <dgm:cxn modelId="{ECAF8175-B9D2-1B4C-9EE7-E571B1E554D0}" srcId="{6FF7108B-2517-EF4B-A859-C35DDCC949DC}" destId="{5F447D8E-588E-E442-A2F3-D6E779C52434}" srcOrd="2" destOrd="0" parTransId="{9FBA8008-47A9-EA41-ACB4-EE8A6D117F60}" sibTransId="{2200F14D-1575-084D-8EEE-A0040F9B9FE0}"/>
-    <dgm:cxn modelId="{D5BD8479-768A-3142-A0EE-889B7B30854D}" srcId="{6FF7108B-2517-EF4B-A859-C35DDCC949DC}" destId="{24103A08-50DD-2D45-8F3F-D8D83F2EF82A}" srcOrd="1" destOrd="0" parTransId="{200F286C-F11F-1F49-986D-6E8712242F70}" sibTransId="{C7DDC965-ACD7-954E-8D45-433F0A8CECD0}"/>
-    <dgm:cxn modelId="{03FF8487-B5E1-284F-8DBC-F74F24982BDF}" type="presOf" srcId="{6FF7108B-2517-EF4B-A859-C35DDCC949DC}" destId="{4726C4EA-528F-3940-8551-D9C77D2BEF97}" srcOrd="0" destOrd="0" presId="urn:microsoft.com/office/officeart/2005/8/layout/process1"/>
-    <dgm:cxn modelId="{5413EB93-C4D1-CF48-83E1-4264994C4CB0}" type="presOf" srcId="{C7DDC965-ACD7-954E-8D45-433F0A8CECD0}" destId="{943D73D3-A563-4747-96C7-7D4B9F9873EF}" srcOrd="0" destOrd="0" presId="urn:microsoft.com/office/officeart/2005/8/layout/process1"/>
-    <dgm:cxn modelId="{3A97A6A5-A2A6-8A42-AED1-55B3F00C343A}" type="presOf" srcId="{A7D1B5FA-27D0-D34A-9E81-199D73E65B64}" destId="{B3683DE7-3F88-0E49-A927-165A50497CDC}" srcOrd="0" destOrd="0" presId="urn:microsoft.com/office/officeart/2005/8/layout/process1"/>
-    <dgm:cxn modelId="{07F90AC6-59E5-4F45-92C7-E04406FCF194}" type="presOf" srcId="{D2219A53-0B1B-A345-AD3D-B5AA5C18A976}" destId="{753B6334-B18B-D14B-8B45-CECD1F1B23DB}" srcOrd="1" destOrd="0" presId="urn:microsoft.com/office/officeart/2005/8/layout/process1"/>
     <dgm:cxn modelId="{E23422CC-A463-BE47-A05C-15481A32D2E7}" type="presOf" srcId="{DE61B97F-4C42-754B-A22B-480678106F2E}" destId="{C9F98A19-180E-6B4D-8B6C-BDC0383FE7B8}" srcOrd="0" destOrd="0" presId="urn:microsoft.com/office/officeart/2005/8/layout/process1"/>
-    <dgm:cxn modelId="{210E00D3-1882-AC4A-9941-A58745B3B3F7}" srcId="{6FF7108B-2517-EF4B-A859-C35DDCC949DC}" destId="{7C177375-E1CC-5241-9353-4B2C4B68DFC0}" srcOrd="0" destOrd="0" parTransId="{BF8BC303-4D9C-ED4A-91B5-A3D313B4131C}" sibTransId="{A7D1B5FA-27D0-D34A-9E81-199D73E65B64}"/>
-    <dgm:cxn modelId="{95EBCEDF-99BD-9B4D-A63C-E50725DDC129}" type="presOf" srcId="{24103A08-50DD-2D45-8F3F-D8D83F2EF82A}" destId="{FC00D68F-3E11-0548-B798-E25757296461}" srcOrd="0" destOrd="0" presId="urn:microsoft.com/office/officeart/2005/8/layout/process1"/>
-    <dgm:cxn modelId="{48A9B8E6-826C-604F-884C-45FF0A4B559A}" type="presOf" srcId="{7EF7393A-300A-6D47-B8A6-E22F97130F49}" destId="{77E675FC-D239-3F48-91E6-D13865253750}" srcOrd="1" destOrd="0" presId="urn:microsoft.com/office/officeart/2005/8/layout/process1"/>
-    <dgm:cxn modelId="{C25823FC-F1FF-EC4B-950F-5033F858F0CB}" srcId="{6FF7108B-2517-EF4B-A859-C35DDCC949DC}" destId="{C3168734-B421-C64D-B8C7-F10C8FF00AAB}" srcOrd="5" destOrd="0" parTransId="{B37CBF41-51F0-9A44-A085-C09273740C16}" sibTransId="{5884BD2C-5BF0-7345-B31E-9DE010AF6737}"/>
     <dgm:cxn modelId="{70368147-2D1E-474C-B859-8CF62CF4FEA1}" type="presParOf" srcId="{4726C4EA-528F-3940-8551-D9C77D2BEF97}" destId="{D64E6129-BFB0-3544-BA79-12AED92CD41B}" srcOrd="0" destOrd="0" presId="urn:microsoft.com/office/officeart/2005/8/layout/process1"/>
     <dgm:cxn modelId="{E115954E-81AC-0B4F-8EA4-AA2DB977C2FC}" type="presParOf" srcId="{4726C4EA-528F-3940-8551-D9C77D2BEF97}" destId="{B3683DE7-3F88-0E49-A927-165A50497CDC}" srcOrd="1" destOrd="0" presId="urn:microsoft.com/office/officeart/2005/8/layout/process1"/>
     <dgm:cxn modelId="{D5668364-9D27-DF45-B36E-B1BF7AC97E06}" type="presParOf" srcId="{B3683DE7-3F88-0E49-A927-165A50497CDC}" destId="{A3DF8E33-B653-0F48-B7AD-7530032439DB}" srcOrd="0" destOrd="0" presId="urn:microsoft.com/office/officeart/2005/8/layout/process1"/>
@@ -2216,14 +2327,35 @@
         </dgm:presLayoutVars>
       </dgm:prSet>
       <dgm:spPr/>
+      <dgm:t>
+        <a:bodyPr/>
+        <a:lstStyle/>
+        <a:p>
+          <a:endParaRPr lang="en-US"/>
+        </a:p>
+      </dgm:t>
     </dgm:pt>
     <dgm:pt modelId="{B795471F-9E39-1849-B4F3-87AD7B9C7F7E}" type="pres">
       <dgm:prSet presAssocID="{809F2156-6B1F-924E-BA50-B06E37A01623}" presName="sibTrans" presStyleLbl="sibTrans2D1" presStyleIdx="0" presStyleCnt="4"/>
       <dgm:spPr/>
+      <dgm:t>
+        <a:bodyPr/>
+        <a:lstStyle/>
+        <a:p>
+          <a:endParaRPr lang="en-US"/>
+        </a:p>
+      </dgm:t>
     </dgm:pt>
     <dgm:pt modelId="{CB393475-7ABC-0442-AA6F-7F20CCE77265}" type="pres">
       <dgm:prSet presAssocID="{809F2156-6B1F-924E-BA50-B06E37A01623}" presName="connectorText" presStyleLbl="sibTrans2D1" presStyleIdx="0" presStyleCnt="4"/>
       <dgm:spPr/>
+      <dgm:t>
+        <a:bodyPr/>
+        <a:lstStyle/>
+        <a:p>
+          <a:endParaRPr lang="en-US"/>
+        </a:p>
+      </dgm:t>
     </dgm:pt>
     <dgm:pt modelId="{B5571EDE-7FB9-2044-971A-2872DBCB87D6}" type="pres">
       <dgm:prSet presAssocID="{B1F91CD4-8DA4-744C-8D64-5D3176EC98AC}" presName="node" presStyleLbl="node1" presStyleIdx="1" presStyleCnt="5">
@@ -2232,14 +2364,35 @@
         </dgm:presLayoutVars>
       </dgm:prSet>
       <dgm:spPr/>
+      <dgm:t>
+        <a:bodyPr/>
+        <a:lstStyle/>
+        <a:p>
+          <a:endParaRPr lang="en-US"/>
+        </a:p>
+      </dgm:t>
     </dgm:pt>
     <dgm:pt modelId="{946E0888-A5A2-D948-966E-89A081521DE2}" type="pres">
       <dgm:prSet presAssocID="{6CE15A0F-5526-D542-889A-AC23A4728660}" presName="sibTrans" presStyleLbl="sibTrans2D1" presStyleIdx="1" presStyleCnt="4"/>
       <dgm:spPr/>
+      <dgm:t>
+        <a:bodyPr/>
+        <a:lstStyle/>
+        <a:p>
+          <a:endParaRPr lang="en-US"/>
+        </a:p>
+      </dgm:t>
     </dgm:pt>
     <dgm:pt modelId="{3C0EE4DB-6244-A245-811F-6725BB112997}" type="pres">
       <dgm:prSet presAssocID="{6CE15A0F-5526-D542-889A-AC23A4728660}" presName="connectorText" presStyleLbl="sibTrans2D1" presStyleIdx="1" presStyleCnt="4"/>
       <dgm:spPr/>
+      <dgm:t>
+        <a:bodyPr/>
+        <a:lstStyle/>
+        <a:p>
+          <a:endParaRPr lang="en-US"/>
+        </a:p>
+      </dgm:t>
     </dgm:pt>
     <dgm:pt modelId="{9C452BEB-258E-8F4D-B6F8-60B17C957249}" type="pres">
       <dgm:prSet presAssocID="{0118C146-28B7-624E-A954-F02AC9A897A1}" presName="node" presStyleLbl="node1" presStyleIdx="2" presStyleCnt="5">
@@ -2248,14 +2401,35 @@
         </dgm:presLayoutVars>
       </dgm:prSet>
       <dgm:spPr/>
+      <dgm:t>
+        <a:bodyPr/>
+        <a:lstStyle/>
+        <a:p>
+          <a:endParaRPr lang="en-US"/>
+        </a:p>
+      </dgm:t>
     </dgm:pt>
     <dgm:pt modelId="{4F395926-BBD9-3949-9204-57DDED6440AF}" type="pres">
       <dgm:prSet presAssocID="{45AD9888-471A-5743-930A-98F188FD16D9}" presName="sibTrans" presStyleLbl="sibTrans2D1" presStyleIdx="2" presStyleCnt="4"/>
       <dgm:spPr/>
+      <dgm:t>
+        <a:bodyPr/>
+        <a:lstStyle/>
+        <a:p>
+          <a:endParaRPr lang="en-US"/>
+        </a:p>
+      </dgm:t>
     </dgm:pt>
     <dgm:pt modelId="{92DD7AF5-BA8E-8241-BE0B-C41989CD807F}" type="pres">
       <dgm:prSet presAssocID="{45AD9888-471A-5743-930A-98F188FD16D9}" presName="connectorText" presStyleLbl="sibTrans2D1" presStyleIdx="2" presStyleCnt="4"/>
       <dgm:spPr/>
+      <dgm:t>
+        <a:bodyPr/>
+        <a:lstStyle/>
+        <a:p>
+          <a:endParaRPr lang="en-US"/>
+        </a:p>
+      </dgm:t>
     </dgm:pt>
     <dgm:pt modelId="{56E3E8AC-7B64-1E42-9368-7CC48C63552D}" type="pres">
       <dgm:prSet presAssocID="{5A31CAD5-E9E9-8345-88D8-80AC19402CD0}" presName="node" presStyleLbl="node1" presStyleIdx="3" presStyleCnt="5">
@@ -2264,14 +2438,35 @@
         </dgm:presLayoutVars>
       </dgm:prSet>
       <dgm:spPr/>
+      <dgm:t>
+        <a:bodyPr/>
+        <a:lstStyle/>
+        <a:p>
+          <a:endParaRPr lang="en-US"/>
+        </a:p>
+      </dgm:t>
     </dgm:pt>
     <dgm:pt modelId="{A0F23228-CE31-6D49-8437-3300C72A87CD}" type="pres">
       <dgm:prSet presAssocID="{7AACA0FE-128F-E843-B72E-F9211D9DFE55}" presName="sibTrans" presStyleLbl="sibTrans2D1" presStyleIdx="3" presStyleCnt="4"/>
       <dgm:spPr/>
+      <dgm:t>
+        <a:bodyPr/>
+        <a:lstStyle/>
+        <a:p>
+          <a:endParaRPr lang="en-US"/>
+        </a:p>
+      </dgm:t>
     </dgm:pt>
     <dgm:pt modelId="{1E47CCB8-17C1-6746-AFA5-B5355828B469}" type="pres">
       <dgm:prSet presAssocID="{7AACA0FE-128F-E843-B72E-F9211D9DFE55}" presName="connectorText" presStyleLbl="sibTrans2D1" presStyleIdx="3" presStyleCnt="4"/>
       <dgm:spPr/>
+      <dgm:t>
+        <a:bodyPr/>
+        <a:lstStyle/>
+        <a:p>
+          <a:endParaRPr lang="en-US"/>
+        </a:p>
+      </dgm:t>
     </dgm:pt>
     <dgm:pt modelId="{8F74DC60-DFDF-DB45-8B83-454B57AD9B3E}" type="pres">
       <dgm:prSet presAssocID="{61C601C4-3A52-BA4E-8D88-8D48B6C5CAA3}" presName="node" presStyleLbl="node1" presStyleIdx="4" presStyleCnt="5">
@@ -2280,28 +2475,35 @@
         </dgm:presLayoutVars>
       </dgm:prSet>
       <dgm:spPr/>
+      <dgm:t>
+        <a:bodyPr/>
+        <a:lstStyle/>
+        <a:p>
+          <a:endParaRPr lang="en-US"/>
+        </a:p>
+      </dgm:t>
     </dgm:pt>
   </dgm:ptLst>
   <dgm:cxnLst>
+    <dgm:cxn modelId="{0F743EAC-7FC9-814E-BF44-59C27FC91354}" type="presOf" srcId="{B1F91CD4-8DA4-744C-8D64-5D3176EC98AC}" destId="{B5571EDE-7FB9-2044-971A-2872DBCB87D6}" srcOrd="0" destOrd="0" presId="urn:microsoft.com/office/officeart/2005/8/layout/process1"/>
+    <dgm:cxn modelId="{8BB3A6B2-2412-4441-B045-695429DB2CF5}" type="presOf" srcId="{809F2156-6B1F-924E-BA50-B06E37A01623}" destId="{CB393475-7ABC-0442-AA6F-7F20CCE77265}" srcOrd="1" destOrd="0" presId="urn:microsoft.com/office/officeart/2005/8/layout/process1"/>
+    <dgm:cxn modelId="{51A8DA22-F874-E747-AAA2-785650DF0CF8}" srcId="{DBB3E421-0D12-9947-B3ED-8EAA9DB425C3}" destId="{0118C146-28B7-624E-A954-F02AC9A897A1}" srcOrd="2" destOrd="0" parTransId="{9B3EFC2D-BEDA-934F-B355-9AEEE3908754}" sibTransId="{45AD9888-471A-5743-930A-98F188FD16D9}"/>
+    <dgm:cxn modelId="{F45735AD-7A1F-704E-AE2C-56A0D8C350BA}" type="presOf" srcId="{45AD9888-471A-5743-930A-98F188FD16D9}" destId="{92DD7AF5-BA8E-8241-BE0B-C41989CD807F}" srcOrd="1" destOrd="0" presId="urn:microsoft.com/office/officeart/2005/8/layout/process1"/>
+    <dgm:cxn modelId="{812CA070-49E0-9441-9603-76F06F659DDC}" type="presOf" srcId="{5AB3FB6A-016D-B548-B174-53A9EC7B0D75}" destId="{C9D9D1EA-DF86-3143-BA8A-18866BFDD943}" srcOrd="0" destOrd="0" presId="urn:microsoft.com/office/officeart/2005/8/layout/process1"/>
+    <dgm:cxn modelId="{A530B986-CE82-894C-82AC-48816A5889BD}" type="presOf" srcId="{61C601C4-3A52-BA4E-8D88-8D48B6C5CAA3}" destId="{8F74DC60-DFDF-DB45-8B83-454B57AD9B3E}" srcOrd="0" destOrd="0" presId="urn:microsoft.com/office/officeart/2005/8/layout/process1"/>
+    <dgm:cxn modelId="{06FC5F12-34A2-1D4F-AC0A-5834F7457FE9}" type="presOf" srcId="{6CE15A0F-5526-D542-889A-AC23A4728660}" destId="{3C0EE4DB-6244-A245-811F-6725BB112997}" srcOrd="1" destOrd="0" presId="urn:microsoft.com/office/officeart/2005/8/layout/process1"/>
+    <dgm:cxn modelId="{E6823871-CA2A-D04F-B57E-541FFB6E39D3}" type="presOf" srcId="{45AD9888-471A-5743-930A-98F188FD16D9}" destId="{4F395926-BBD9-3949-9204-57DDED6440AF}" srcOrd="0" destOrd="0" presId="urn:microsoft.com/office/officeart/2005/8/layout/process1"/>
+    <dgm:cxn modelId="{55BFAFC2-7EEB-C043-B98D-0EE6D670C28E}" type="presOf" srcId="{7AACA0FE-128F-E843-B72E-F9211D9DFE55}" destId="{A0F23228-CE31-6D49-8437-3300C72A87CD}" srcOrd="0" destOrd="0" presId="urn:microsoft.com/office/officeart/2005/8/layout/process1"/>
+    <dgm:cxn modelId="{6005080D-DA3C-6349-89CA-E20065031EA5}" type="presOf" srcId="{809F2156-6B1F-924E-BA50-B06E37A01623}" destId="{B795471F-9E39-1849-B4F3-87AD7B9C7F7E}" srcOrd="0" destOrd="0" presId="urn:microsoft.com/office/officeart/2005/8/layout/process1"/>
+    <dgm:cxn modelId="{69B08EBB-67A0-9C41-827A-7BF2DE172E03}" srcId="{DBB3E421-0D12-9947-B3ED-8EAA9DB425C3}" destId="{B1F91CD4-8DA4-744C-8D64-5D3176EC98AC}" srcOrd="1" destOrd="0" parTransId="{5C0D3F4E-98CC-7D47-A9A6-E190E5C59E0E}" sibTransId="{6CE15A0F-5526-D542-889A-AC23A4728660}"/>
+    <dgm:cxn modelId="{5A9552E8-5230-7E49-A83E-4E62FF964C70}" type="presOf" srcId="{7AACA0FE-128F-E843-B72E-F9211D9DFE55}" destId="{1E47CCB8-17C1-6746-AFA5-B5355828B469}" srcOrd="1" destOrd="0" presId="urn:microsoft.com/office/officeart/2005/8/layout/process1"/>
+    <dgm:cxn modelId="{2B17159B-A610-E147-A1C0-1DA28DCCBC88}" srcId="{DBB3E421-0D12-9947-B3ED-8EAA9DB425C3}" destId="{5AB3FB6A-016D-B548-B174-53A9EC7B0D75}" srcOrd="0" destOrd="0" parTransId="{272A2CC5-872B-1748-9ADD-FB2CD8774573}" sibTransId="{809F2156-6B1F-924E-BA50-B06E37A01623}"/>
+    <dgm:cxn modelId="{1F6B2614-7FC7-BD4B-9B1D-6447D7DF3268}" srcId="{DBB3E421-0D12-9947-B3ED-8EAA9DB425C3}" destId="{61C601C4-3A52-BA4E-8D88-8D48B6C5CAA3}" srcOrd="4" destOrd="0" parTransId="{C9F55050-791C-5148-82EB-9E14E4150871}" sibTransId="{19F3F7C4-E1D1-4343-965C-3961B919A075}"/>
+    <dgm:cxn modelId="{EFF7F980-D30C-164A-9FDE-46A183A3FB81}" type="presOf" srcId="{DBB3E421-0D12-9947-B3ED-8EAA9DB425C3}" destId="{818572FB-3A6C-D746-AA83-4B219AB79161}" srcOrd="0" destOrd="0" presId="urn:microsoft.com/office/officeart/2005/8/layout/process1"/>
+    <dgm:cxn modelId="{0C2F1D31-5D1D-774C-AA58-29B722BD32AE}" type="presOf" srcId="{6CE15A0F-5526-D542-889A-AC23A4728660}" destId="{946E0888-A5A2-D948-966E-89A081521DE2}" srcOrd="0" destOrd="0" presId="urn:microsoft.com/office/officeart/2005/8/layout/process1"/>
+    <dgm:cxn modelId="{96A836CC-DE62-C042-8A45-F954487A594B}" type="presOf" srcId="{0118C146-28B7-624E-A954-F02AC9A897A1}" destId="{9C452BEB-258E-8F4D-B6F8-60B17C957249}" srcOrd="0" destOrd="0" presId="urn:microsoft.com/office/officeart/2005/8/layout/process1"/>
     <dgm:cxn modelId="{17020104-BBD5-3543-BAF9-E95527A98C19}" srcId="{DBB3E421-0D12-9947-B3ED-8EAA9DB425C3}" destId="{5A31CAD5-E9E9-8345-88D8-80AC19402CD0}" srcOrd="3" destOrd="0" parTransId="{A1797F38-C338-914C-90C5-EF4EBBA222FC}" sibTransId="{7AACA0FE-128F-E843-B72E-F9211D9DFE55}"/>
-    <dgm:cxn modelId="{6005080D-DA3C-6349-89CA-E20065031EA5}" type="presOf" srcId="{809F2156-6B1F-924E-BA50-B06E37A01623}" destId="{B795471F-9E39-1849-B4F3-87AD7B9C7F7E}" srcOrd="0" destOrd="0" presId="urn:microsoft.com/office/officeart/2005/8/layout/process1"/>
-    <dgm:cxn modelId="{06FC5F12-34A2-1D4F-AC0A-5834F7457FE9}" type="presOf" srcId="{6CE15A0F-5526-D542-889A-AC23A4728660}" destId="{3C0EE4DB-6244-A245-811F-6725BB112997}" srcOrd="1" destOrd="0" presId="urn:microsoft.com/office/officeart/2005/8/layout/process1"/>
-    <dgm:cxn modelId="{1F6B2614-7FC7-BD4B-9B1D-6447D7DF3268}" srcId="{DBB3E421-0D12-9947-B3ED-8EAA9DB425C3}" destId="{61C601C4-3A52-BA4E-8D88-8D48B6C5CAA3}" srcOrd="4" destOrd="0" parTransId="{C9F55050-791C-5148-82EB-9E14E4150871}" sibTransId="{19F3F7C4-E1D1-4343-965C-3961B919A075}"/>
-    <dgm:cxn modelId="{51A8DA22-F874-E747-AAA2-785650DF0CF8}" srcId="{DBB3E421-0D12-9947-B3ED-8EAA9DB425C3}" destId="{0118C146-28B7-624E-A954-F02AC9A897A1}" srcOrd="2" destOrd="0" parTransId="{9B3EFC2D-BEDA-934F-B355-9AEEE3908754}" sibTransId="{45AD9888-471A-5743-930A-98F188FD16D9}"/>
     <dgm:cxn modelId="{38846727-4659-C141-ADB8-DEA2F125FBF9}" type="presOf" srcId="{5A31CAD5-E9E9-8345-88D8-80AC19402CD0}" destId="{56E3E8AC-7B64-1E42-9368-7CC48C63552D}" srcOrd="0" destOrd="0" presId="urn:microsoft.com/office/officeart/2005/8/layout/process1"/>
-    <dgm:cxn modelId="{0C2F1D31-5D1D-774C-AA58-29B722BD32AE}" type="presOf" srcId="{6CE15A0F-5526-D542-889A-AC23A4728660}" destId="{946E0888-A5A2-D948-966E-89A081521DE2}" srcOrd="0" destOrd="0" presId="urn:microsoft.com/office/officeart/2005/8/layout/process1"/>
-    <dgm:cxn modelId="{812CA070-49E0-9441-9603-76F06F659DDC}" type="presOf" srcId="{5AB3FB6A-016D-B548-B174-53A9EC7B0D75}" destId="{C9D9D1EA-DF86-3143-BA8A-18866BFDD943}" srcOrd="0" destOrd="0" presId="urn:microsoft.com/office/officeart/2005/8/layout/process1"/>
-    <dgm:cxn modelId="{E6823871-CA2A-D04F-B57E-541FFB6E39D3}" type="presOf" srcId="{45AD9888-471A-5743-930A-98F188FD16D9}" destId="{4F395926-BBD9-3949-9204-57DDED6440AF}" srcOrd="0" destOrd="0" presId="urn:microsoft.com/office/officeart/2005/8/layout/process1"/>
-    <dgm:cxn modelId="{EFF7F980-D30C-164A-9FDE-46A183A3FB81}" type="presOf" srcId="{DBB3E421-0D12-9947-B3ED-8EAA9DB425C3}" destId="{818572FB-3A6C-D746-AA83-4B219AB79161}" srcOrd="0" destOrd="0" presId="urn:microsoft.com/office/officeart/2005/8/layout/process1"/>
-    <dgm:cxn modelId="{A530B986-CE82-894C-82AC-48816A5889BD}" type="presOf" srcId="{61C601C4-3A52-BA4E-8D88-8D48B6C5CAA3}" destId="{8F74DC60-DFDF-DB45-8B83-454B57AD9B3E}" srcOrd="0" destOrd="0" presId="urn:microsoft.com/office/officeart/2005/8/layout/process1"/>
-    <dgm:cxn modelId="{2B17159B-A610-E147-A1C0-1DA28DCCBC88}" srcId="{DBB3E421-0D12-9947-B3ED-8EAA9DB425C3}" destId="{5AB3FB6A-016D-B548-B174-53A9EC7B0D75}" srcOrd="0" destOrd="0" parTransId="{272A2CC5-872B-1748-9ADD-FB2CD8774573}" sibTransId="{809F2156-6B1F-924E-BA50-B06E37A01623}"/>
-    <dgm:cxn modelId="{0F743EAC-7FC9-814E-BF44-59C27FC91354}" type="presOf" srcId="{B1F91CD4-8DA4-744C-8D64-5D3176EC98AC}" destId="{B5571EDE-7FB9-2044-971A-2872DBCB87D6}" srcOrd="0" destOrd="0" presId="urn:microsoft.com/office/officeart/2005/8/layout/process1"/>
-    <dgm:cxn modelId="{F45735AD-7A1F-704E-AE2C-56A0D8C350BA}" type="presOf" srcId="{45AD9888-471A-5743-930A-98F188FD16D9}" destId="{92DD7AF5-BA8E-8241-BE0B-C41989CD807F}" srcOrd="1" destOrd="0" presId="urn:microsoft.com/office/officeart/2005/8/layout/process1"/>
-    <dgm:cxn modelId="{8BB3A6B2-2412-4441-B045-695429DB2CF5}" type="presOf" srcId="{809F2156-6B1F-924E-BA50-B06E37A01623}" destId="{CB393475-7ABC-0442-AA6F-7F20CCE77265}" srcOrd="1" destOrd="0" presId="urn:microsoft.com/office/officeart/2005/8/layout/process1"/>
-    <dgm:cxn modelId="{69B08EBB-67A0-9C41-827A-7BF2DE172E03}" srcId="{DBB3E421-0D12-9947-B3ED-8EAA9DB425C3}" destId="{B1F91CD4-8DA4-744C-8D64-5D3176EC98AC}" srcOrd="1" destOrd="0" parTransId="{5C0D3F4E-98CC-7D47-A9A6-E190E5C59E0E}" sibTransId="{6CE15A0F-5526-D542-889A-AC23A4728660}"/>
-    <dgm:cxn modelId="{55BFAFC2-7EEB-C043-B98D-0EE6D670C28E}" type="presOf" srcId="{7AACA0FE-128F-E843-B72E-F9211D9DFE55}" destId="{A0F23228-CE31-6D49-8437-3300C72A87CD}" srcOrd="0" destOrd="0" presId="urn:microsoft.com/office/officeart/2005/8/layout/process1"/>
-    <dgm:cxn modelId="{96A836CC-DE62-C042-8A45-F954487A594B}" type="presOf" srcId="{0118C146-28B7-624E-A954-F02AC9A897A1}" destId="{9C452BEB-258E-8F4D-B6F8-60B17C957249}" srcOrd="0" destOrd="0" presId="urn:microsoft.com/office/officeart/2005/8/layout/process1"/>
-    <dgm:cxn modelId="{5A9552E8-5230-7E49-A83E-4E62FF964C70}" type="presOf" srcId="{7AACA0FE-128F-E843-B72E-F9211D9DFE55}" destId="{1E47CCB8-17C1-6746-AFA5-B5355828B469}" srcOrd="1" destOrd="0" presId="urn:microsoft.com/office/officeart/2005/8/layout/process1"/>
     <dgm:cxn modelId="{186504EB-AFEC-C34E-B414-4E0E7C0BABFD}" type="presParOf" srcId="{818572FB-3A6C-D746-AA83-4B219AB79161}" destId="{C9D9D1EA-DF86-3143-BA8A-18866BFDD943}" srcOrd="0" destOrd="0" presId="urn:microsoft.com/office/officeart/2005/8/layout/process1"/>
     <dgm:cxn modelId="{AB2268FB-A1AB-F44F-B09D-550990D00955}" type="presParOf" srcId="{818572FB-3A6C-D746-AA83-4B219AB79161}" destId="{B795471F-9E39-1849-B4F3-87AD7B9C7F7E}" srcOrd="1" destOrd="0" presId="urn:microsoft.com/office/officeart/2005/8/layout/process1"/>
     <dgm:cxn modelId="{931E5D70-A35D-714A-918B-E37552830258}" type="presParOf" srcId="{B795471F-9E39-1849-B4F3-87AD7B9C7F7E}" destId="{CB393475-7ABC-0442-AA6F-7F20CCE77265}" srcOrd="0" destOrd="0" presId="urn:microsoft.com/office/officeart/2005/8/layout/process1"/>
@@ -2390,7 +2592,7 @@
         </a:bodyPr>
         <a:lstStyle/>
         <a:p>
-          <a:pPr marL="0" lvl="0" indent="0" algn="ctr" defTabSz="533400">
+          <a:pPr lvl="0" algn="ctr" defTabSz="533400">
             <a:lnSpc>
               <a:spcPct val="90000"/>
             </a:lnSpc>
@@ -2400,7 +2602,6 @@
             <a:spcAft>
               <a:spcPct val="35000"/>
             </a:spcAft>
-            <a:buNone/>
           </a:pPr>
           <a:r>
             <a:rPr lang="en-US" sz="1200" kern="1200" dirty="0"/>
@@ -2463,7 +2664,7 @@
         </a:bodyPr>
         <a:lstStyle/>
         <a:p>
-          <a:pPr marL="0" lvl="0" indent="0" algn="ctr" defTabSz="444500">
+          <a:pPr lvl="0" algn="ctr" defTabSz="444500">
             <a:lnSpc>
               <a:spcPct val="90000"/>
             </a:lnSpc>
@@ -2473,7 +2674,6 @@
             <a:spcAft>
               <a:spcPct val="35000"/>
             </a:spcAft>
-            <a:buNone/>
           </a:pPr>
           <a:endParaRPr lang="en-US" sz="1000" kern="1200"/>
         </a:p>
@@ -2539,7 +2739,7 @@
         </a:bodyPr>
         <a:lstStyle/>
         <a:p>
-          <a:pPr marL="0" lvl="0" indent="0" algn="ctr" defTabSz="533400">
+          <a:pPr lvl="0" algn="ctr" defTabSz="533400">
             <a:lnSpc>
               <a:spcPct val="90000"/>
             </a:lnSpc>
@@ -2549,7 +2749,6 @@
             <a:spcAft>
               <a:spcPct val="35000"/>
             </a:spcAft>
-            <a:buNone/>
           </a:pPr>
           <a:r>
             <a:rPr lang="en-US" sz="1200" kern="1200" dirty="0"/>
@@ -2612,7 +2811,7 @@
         </a:bodyPr>
         <a:lstStyle/>
         <a:p>
-          <a:pPr marL="0" lvl="0" indent="0" algn="ctr" defTabSz="444500">
+          <a:pPr lvl="0" algn="ctr" defTabSz="444500">
             <a:lnSpc>
               <a:spcPct val="90000"/>
             </a:lnSpc>
@@ -2622,7 +2821,6 @@
             <a:spcAft>
               <a:spcPct val="35000"/>
             </a:spcAft>
-            <a:buNone/>
           </a:pPr>
           <a:endParaRPr lang="en-US" sz="1000" kern="1200"/>
         </a:p>
@@ -2688,7 +2886,7 @@
         </a:bodyPr>
         <a:lstStyle/>
         <a:p>
-          <a:pPr marL="0" lvl="0" indent="0" algn="ctr" defTabSz="533400">
+          <a:pPr lvl="0" algn="ctr" defTabSz="533400">
             <a:lnSpc>
               <a:spcPct val="90000"/>
             </a:lnSpc>
@@ -2698,7 +2896,6 @@
             <a:spcAft>
               <a:spcPct val="35000"/>
             </a:spcAft>
-            <a:buNone/>
           </a:pPr>
           <a:r>
             <a:rPr lang="en-US" sz="1200" kern="1200" dirty="0"/>
@@ -2761,7 +2958,7 @@
         </a:bodyPr>
         <a:lstStyle/>
         <a:p>
-          <a:pPr marL="0" lvl="0" indent="0" algn="ctr" defTabSz="444500">
+          <a:pPr lvl="0" algn="ctr" defTabSz="444500">
             <a:lnSpc>
               <a:spcPct val="90000"/>
             </a:lnSpc>
@@ -2771,7 +2968,6 @@
             <a:spcAft>
               <a:spcPct val="35000"/>
             </a:spcAft>
-            <a:buNone/>
           </a:pPr>
           <a:endParaRPr lang="en-US" sz="1000" kern="1200"/>
         </a:p>
@@ -2837,7 +3033,7 @@
         </a:bodyPr>
         <a:lstStyle/>
         <a:p>
-          <a:pPr marL="0" lvl="0" indent="0" algn="ctr" defTabSz="533400">
+          <a:pPr lvl="0" algn="ctr" defTabSz="533400">
             <a:lnSpc>
               <a:spcPct val="90000"/>
             </a:lnSpc>
@@ -2847,7 +3043,6 @@
             <a:spcAft>
               <a:spcPct val="35000"/>
             </a:spcAft>
-            <a:buNone/>
           </a:pPr>
           <a:r>
             <a:rPr lang="en-US" sz="1200" kern="1200" dirty="0"/>
@@ -2910,7 +3105,7 @@
         </a:bodyPr>
         <a:lstStyle/>
         <a:p>
-          <a:pPr marL="0" lvl="0" indent="0" algn="ctr" defTabSz="444500">
+          <a:pPr lvl="0" algn="ctr" defTabSz="444500">
             <a:lnSpc>
               <a:spcPct val="90000"/>
             </a:lnSpc>
@@ -2920,7 +3115,6 @@
             <a:spcAft>
               <a:spcPct val="35000"/>
             </a:spcAft>
-            <a:buNone/>
           </a:pPr>
           <a:endParaRPr lang="en-US" sz="1000" kern="1200"/>
         </a:p>
@@ -2986,7 +3180,7 @@
         </a:bodyPr>
         <a:lstStyle/>
         <a:p>
-          <a:pPr marL="0" lvl="0" indent="0" algn="ctr" defTabSz="533400">
+          <a:pPr lvl="0" algn="ctr" defTabSz="533400">
             <a:lnSpc>
               <a:spcPct val="90000"/>
             </a:lnSpc>
@@ -2996,7 +3190,6 @@
             <a:spcAft>
               <a:spcPct val="35000"/>
             </a:spcAft>
-            <a:buNone/>
           </a:pPr>
           <a:r>
             <a:rPr lang="en-US" sz="1200" kern="1200" dirty="0"/>
@@ -3059,7 +3252,7 @@
         </a:bodyPr>
         <a:lstStyle/>
         <a:p>
-          <a:pPr marL="0" lvl="0" indent="0" algn="ctr" defTabSz="444500">
+          <a:pPr lvl="0" algn="ctr" defTabSz="444500">
             <a:lnSpc>
               <a:spcPct val="90000"/>
             </a:lnSpc>
@@ -3069,7 +3262,6 @@
             <a:spcAft>
               <a:spcPct val="35000"/>
             </a:spcAft>
-            <a:buNone/>
           </a:pPr>
           <a:endParaRPr lang="en-US" sz="1000" kern="1200"/>
         </a:p>
@@ -3135,7 +3327,7 @@
         </a:bodyPr>
         <a:lstStyle/>
         <a:p>
-          <a:pPr marL="0" lvl="0" indent="0" algn="ctr" defTabSz="533400">
+          <a:pPr lvl="0" algn="ctr" defTabSz="533400">
             <a:lnSpc>
               <a:spcPct val="90000"/>
             </a:lnSpc>
@@ -3145,7 +3337,6 @@
             <a:spcAft>
               <a:spcPct val="35000"/>
             </a:spcAft>
-            <a:buNone/>
           </a:pPr>
           <a:r>
             <a:rPr lang="en-US" sz="1200" kern="1200" dirty="0"/>
@@ -3226,7 +3417,7 @@
         </a:bodyPr>
         <a:lstStyle/>
         <a:p>
-          <a:pPr marL="0" lvl="0" indent="0" algn="ctr" defTabSz="666750">
+          <a:pPr lvl="0" algn="ctr" defTabSz="666750">
             <a:lnSpc>
               <a:spcPct val="90000"/>
             </a:lnSpc>
@@ -3236,7 +3427,6 @@
             <a:spcAft>
               <a:spcPct val="35000"/>
             </a:spcAft>
-            <a:buNone/>
           </a:pPr>
           <a:r>
             <a:rPr lang="en-US" sz="1500" kern="1200" dirty="0"/>
@@ -3244,7 +3434,7 @@
           </a:r>
         </a:p>
         <a:p>
-          <a:pPr marL="0" lvl="0" indent="0" algn="ctr" defTabSz="666750">
+          <a:pPr lvl="0" algn="ctr" defTabSz="666750">
             <a:lnSpc>
               <a:spcPct val="90000"/>
             </a:lnSpc>
@@ -3254,7 +3444,6 @@
             <a:spcAft>
               <a:spcPct val="35000"/>
             </a:spcAft>
-            <a:buNone/>
           </a:pPr>
           <a:r>
             <a:rPr lang="en-US" sz="1500" kern="1200" dirty="0"/>
@@ -3317,7 +3506,7 @@
         </a:bodyPr>
         <a:lstStyle/>
         <a:p>
-          <a:pPr marL="0" lvl="0" indent="0" algn="ctr" defTabSz="533400">
+          <a:pPr lvl="0" algn="ctr" defTabSz="533400">
             <a:lnSpc>
               <a:spcPct val="90000"/>
             </a:lnSpc>
@@ -3327,7 +3516,6 @@
             <a:spcAft>
               <a:spcPct val="35000"/>
             </a:spcAft>
-            <a:buNone/>
           </a:pPr>
           <a:endParaRPr lang="en-US" sz="1200" kern="1200"/>
         </a:p>
@@ -3393,7 +3581,7 @@
         </a:bodyPr>
         <a:lstStyle/>
         <a:p>
-          <a:pPr marL="0" lvl="0" indent="0" algn="ctr" defTabSz="666750">
+          <a:pPr lvl="0" algn="ctr" defTabSz="666750">
             <a:lnSpc>
               <a:spcPct val="90000"/>
             </a:lnSpc>
@@ -3403,7 +3591,6 @@
             <a:spcAft>
               <a:spcPct val="35000"/>
             </a:spcAft>
-            <a:buNone/>
           </a:pPr>
           <a:r>
             <a:rPr lang="en-US" sz="1500" kern="1200" dirty="0"/>
@@ -3466,7 +3653,7 @@
         </a:bodyPr>
         <a:lstStyle/>
         <a:p>
-          <a:pPr marL="0" lvl="0" indent="0" algn="ctr" defTabSz="533400">
+          <a:pPr lvl="0" algn="ctr" defTabSz="533400">
             <a:lnSpc>
               <a:spcPct val="90000"/>
             </a:lnSpc>
@@ -3476,7 +3663,6 @@
             <a:spcAft>
               <a:spcPct val="35000"/>
             </a:spcAft>
-            <a:buNone/>
           </a:pPr>
           <a:endParaRPr lang="en-US" sz="1200" kern="1200"/>
         </a:p>
@@ -3542,7 +3728,7 @@
         </a:bodyPr>
         <a:lstStyle/>
         <a:p>
-          <a:pPr marL="0" lvl="0" indent="0" algn="ctr" defTabSz="666750">
+          <a:pPr lvl="0" algn="ctr" defTabSz="666750">
             <a:lnSpc>
               <a:spcPct val="90000"/>
             </a:lnSpc>
@@ -3552,7 +3738,6 @@
             <a:spcAft>
               <a:spcPct val="35000"/>
             </a:spcAft>
-            <a:buNone/>
           </a:pPr>
           <a:r>
             <a:rPr lang="en-US" sz="1500" kern="1200" dirty="0"/>
@@ -3615,7 +3800,7 @@
         </a:bodyPr>
         <a:lstStyle/>
         <a:p>
-          <a:pPr marL="0" lvl="0" indent="0" algn="ctr" defTabSz="533400">
+          <a:pPr lvl="0" algn="ctr" defTabSz="533400">
             <a:lnSpc>
               <a:spcPct val="90000"/>
             </a:lnSpc>
@@ -3625,7 +3810,6 @@
             <a:spcAft>
               <a:spcPct val="35000"/>
             </a:spcAft>
-            <a:buNone/>
           </a:pPr>
           <a:endParaRPr lang="en-US" sz="1200" kern="1200"/>
         </a:p>
@@ -3691,7 +3875,7 @@
         </a:bodyPr>
         <a:lstStyle/>
         <a:p>
-          <a:pPr marL="0" lvl="0" indent="0" algn="ctr" defTabSz="666750">
+          <a:pPr lvl="0" algn="ctr" defTabSz="666750">
             <a:lnSpc>
               <a:spcPct val="90000"/>
             </a:lnSpc>
@@ -3701,7 +3885,6 @@
             <a:spcAft>
               <a:spcPct val="35000"/>
             </a:spcAft>
-            <a:buNone/>
           </a:pPr>
           <a:r>
             <a:rPr lang="en-US" sz="1500" kern="1200" dirty="0"/>
@@ -3709,7 +3892,7 @@
           </a:r>
         </a:p>
         <a:p>
-          <a:pPr marL="0" lvl="0" indent="0" algn="ctr" defTabSz="666750">
+          <a:pPr lvl="0" algn="ctr" defTabSz="666750">
             <a:lnSpc>
               <a:spcPct val="90000"/>
             </a:lnSpc>
@@ -3719,7 +3902,6 @@
             <a:spcAft>
               <a:spcPct val="35000"/>
             </a:spcAft>
-            <a:buNone/>
           </a:pPr>
           <a:endParaRPr lang="en-US" sz="1500" kern="1200" dirty="0"/>
         </a:p>
@@ -3779,7 +3961,7 @@
         </a:bodyPr>
         <a:lstStyle/>
         <a:p>
-          <a:pPr marL="0" lvl="0" indent="0" algn="ctr" defTabSz="533400">
+          <a:pPr lvl="0" algn="ctr" defTabSz="533400">
             <a:lnSpc>
               <a:spcPct val="90000"/>
             </a:lnSpc>
@@ -3789,7 +3971,6 @@
             <a:spcAft>
               <a:spcPct val="35000"/>
             </a:spcAft>
-            <a:buNone/>
           </a:pPr>
           <a:endParaRPr lang="en-US" sz="1200" kern="1200"/>
         </a:p>
@@ -3855,7 +4036,7 @@
         </a:bodyPr>
         <a:lstStyle/>
         <a:p>
-          <a:pPr marL="0" lvl="0" indent="0" algn="ctr" defTabSz="666750">
+          <a:pPr lvl="0" algn="ctr" defTabSz="666750">
             <a:lnSpc>
               <a:spcPct val="90000"/>
             </a:lnSpc>
@@ -3865,7 +4046,6 @@
             <a:spcAft>
               <a:spcPct val="35000"/>
             </a:spcAft>
-            <a:buNone/>
           </a:pPr>
           <a:r>
             <a:rPr lang="en-US" sz="1500" kern="1200" dirty="0"/>
@@ -6324,7 +6504,7 @@
           <a:p>
             <a:fld id="{07D794BC-8E33-9A45-BDB2-DEF00A77D2BF}" type="datetimeFigureOut">
               <a:rPr lang="en-US" smtClean="0"/>
-              <a:t>9/14/18</a:t>
+              <a:t>9/27/18</a:t>
             </a:fld>
             <a:endParaRPr lang="en-US"/>
           </a:p>
@@ -7510,7 +7690,7 @@
             <a:fld id="{B61BEF0D-F0BB-DE4B-95CE-6DB70DBA9567}" type="datetimeFigureOut">
               <a:rPr lang="en-US" dirty="0"/>
               <a:pPr/>
-              <a:t>9/14/18</a:t>
+              <a:t>9/27/18</a:t>
             </a:fld>
             <a:endParaRPr lang="en-US" dirty="0"/>
           </a:p>
@@ -7798,7 +7978,7 @@
             <a:fld id="{B61BEF0D-F0BB-DE4B-95CE-6DB70DBA9567}" type="datetimeFigureOut">
               <a:rPr lang="en-US" dirty="0"/>
               <a:pPr/>
-              <a:t>9/14/18</a:t>
+              <a:t>9/27/18</a:t>
             </a:fld>
             <a:endParaRPr lang="en-US" dirty="0"/>
           </a:p>
@@ -8054,7 +8234,7 @@
             <a:fld id="{B61BEF0D-F0BB-DE4B-95CE-6DB70DBA9567}" type="datetimeFigureOut">
               <a:rPr lang="en-US" dirty="0"/>
               <a:pPr/>
-              <a:t>9/14/18</a:t>
+              <a:t>9/27/18</a:t>
             </a:fld>
             <a:endParaRPr lang="en-US" dirty="0"/>
           </a:p>
@@ -8520,7 +8700,7 @@
             <a:fld id="{B61BEF0D-F0BB-DE4B-95CE-6DB70DBA9567}" type="datetimeFigureOut">
               <a:rPr lang="en-US" dirty="0"/>
               <a:pPr/>
-              <a:t>9/14/18</a:t>
+              <a:t>9/27/18</a:t>
             </a:fld>
             <a:endParaRPr lang="en-US" dirty="0"/>
           </a:p>
@@ -8697,7 +8877,7 @@
             <a:fld id="{B61BEF0D-F0BB-DE4B-95CE-6DB70DBA9567}" type="datetimeFigureOut">
               <a:rPr lang="en-US" dirty="0"/>
               <a:pPr/>
-              <a:t>9/14/18</a:t>
+              <a:t>9/27/18</a:t>
             </a:fld>
             <a:endParaRPr lang="en-US" dirty="0"/>
           </a:p>
@@ -9270,7 +9450,7 @@
             <a:fld id="{B61BEF0D-F0BB-DE4B-95CE-6DB70DBA9567}" type="datetimeFigureOut">
               <a:rPr lang="en-US" dirty="0"/>
               <a:pPr/>
-              <a:t>9/14/18</a:t>
+              <a:t>9/27/18</a:t>
             </a:fld>
             <a:endParaRPr lang="en-US" dirty="0"/>
           </a:p>
@@ -9599,7 +9779,7 @@
             <a:fld id="{B61BEF0D-F0BB-DE4B-95CE-6DB70DBA9567}" type="datetimeFigureOut">
               <a:rPr lang="en-US" dirty="0"/>
               <a:pPr/>
-              <a:t>9/14/18</a:t>
+              <a:t>9/27/18</a:t>
             </a:fld>
             <a:endParaRPr lang="en-US" dirty="0"/>
           </a:p>
@@ -9771,7 +9951,7 @@
             <a:fld id="{B61BEF0D-F0BB-DE4B-95CE-6DB70DBA9567}" type="datetimeFigureOut">
               <a:rPr lang="en-US" dirty="0"/>
               <a:pPr/>
-              <a:t>9/14/18</a:t>
+              <a:t>9/27/18</a:t>
             </a:fld>
             <a:endParaRPr lang="en-US" dirty="0"/>
           </a:p>
@@ -9948,7 +10128,7 @@
             <a:fld id="{B61BEF0D-F0BB-DE4B-95CE-6DB70DBA9567}" type="datetimeFigureOut">
               <a:rPr lang="en-US" dirty="0"/>
               <a:pPr/>
-              <a:t>9/14/18</a:t>
+              <a:t>9/27/18</a:t>
             </a:fld>
             <a:endParaRPr lang="en-US" dirty="0"/>
           </a:p>
@@ -10115,7 +10295,7 @@
             <a:fld id="{B61BEF0D-F0BB-DE4B-95CE-6DB70DBA9567}" type="datetimeFigureOut">
               <a:rPr lang="en-US" dirty="0"/>
               <a:pPr/>
-              <a:t>9/14/18</a:t>
+              <a:t>9/27/18</a:t>
             </a:fld>
             <a:endParaRPr lang="en-US" dirty="0"/>
           </a:p>
@@ -10369,7 +10549,7 @@
             <a:fld id="{B61BEF0D-F0BB-DE4B-95CE-6DB70DBA9567}" type="datetimeFigureOut">
               <a:rPr lang="en-US" dirty="0"/>
               <a:pPr/>
-              <a:t>9/14/18</a:t>
+              <a:t>9/27/18</a:t>
             </a:fld>
             <a:endParaRPr lang="en-US" dirty="0"/>
           </a:p>
@@ -10658,7 +10838,7 @@
             <a:fld id="{B61BEF0D-F0BB-DE4B-95CE-6DB70DBA9567}" type="datetimeFigureOut">
               <a:rPr lang="en-US" dirty="0"/>
               <a:pPr/>
-              <a:t>9/14/18</a:t>
+              <a:t>9/27/18</a:t>
             </a:fld>
             <a:endParaRPr lang="en-US" dirty="0"/>
           </a:p>
@@ -11085,7 +11265,7 @@
             <a:fld id="{B61BEF0D-F0BB-DE4B-95CE-6DB70DBA9567}" type="datetimeFigureOut">
               <a:rPr lang="en-US" dirty="0"/>
               <a:pPr/>
-              <a:t>9/14/18</a:t>
+              <a:t>9/27/18</a:t>
             </a:fld>
             <a:endParaRPr lang="en-US" dirty="0"/>
           </a:p>
@@ -11200,7 +11380,7 @@
             <a:fld id="{B61BEF0D-F0BB-DE4B-95CE-6DB70DBA9567}" type="datetimeFigureOut">
               <a:rPr lang="en-US" dirty="0"/>
               <a:pPr/>
-              <a:t>9/14/18</a:t>
+              <a:t>9/27/18</a:t>
             </a:fld>
             <a:endParaRPr lang="en-US" dirty="0"/>
           </a:p>
@@ -11292,7 +11472,7 @@
             <a:fld id="{B61BEF0D-F0BB-DE4B-95CE-6DB70DBA9567}" type="datetimeFigureOut">
               <a:rPr lang="en-US" dirty="0"/>
               <a:pPr/>
-              <a:t>9/14/18</a:t>
+              <a:t>9/27/18</a:t>
             </a:fld>
             <a:endParaRPr lang="en-US" dirty="0"/>
           </a:p>
@@ -11572,7 +11752,7 @@
             <a:fld id="{B61BEF0D-F0BB-DE4B-95CE-6DB70DBA9567}" type="datetimeFigureOut">
               <a:rPr lang="en-US" dirty="0"/>
               <a:pPr/>
-              <a:t>9/14/18</a:t>
+              <a:t>9/27/18</a:t>
             </a:fld>
             <a:endParaRPr lang="en-US" dirty="0"/>
           </a:p>
@@ -11860,7 +12040,7 @@
             <a:fld id="{B61BEF0D-F0BB-DE4B-95CE-6DB70DBA9567}" type="datetimeFigureOut">
               <a:rPr lang="en-US" dirty="0"/>
               <a:pPr/>
-              <a:t>9/14/18</a:t>
+              <a:t>9/27/18</a:t>
             </a:fld>
             <a:endParaRPr lang="en-US" dirty="0"/>
           </a:p>
@@ -12091,7 +12271,7 @@
             <a:fld id="{B61BEF0D-F0BB-DE4B-95CE-6DB70DBA9567}" type="datetimeFigureOut">
               <a:rPr lang="en-US" dirty="0"/>
               <a:pPr/>
-              <a:t>9/14/18</a:t>
+              <a:t>9/27/18</a:t>
             </a:fld>
             <a:endParaRPr lang="en-US" dirty="0"/>
           </a:p>
@@ -12861,7 +13041,7 @@
           <p:cNvPr id="2" name="Title 1">
             <a:extLst>
               <a:ext uri="{FF2B5EF4-FFF2-40B4-BE49-F238E27FC236}">
-                <a16:creationId xmlns:a16="http://schemas.microsoft.com/office/drawing/2014/main" id="{1BD8F5B3-6C46-2B4A-A938-3BA9A03F9E6D}"/>
+                <a16:creationId xmlns:a16="http://schemas.microsoft.com/office/drawing/2014/main" xmlns="" id="{1BD8F5B3-6C46-2B4A-A938-3BA9A03F9E6D}"/>
               </a:ext>
             </a:extLst>
           </p:cNvPr>
@@ -12889,7 +13069,7 @@
           <p:cNvPr id="3" name="Subtitle 2">
             <a:extLst>
               <a:ext uri="{FF2B5EF4-FFF2-40B4-BE49-F238E27FC236}">
-                <a16:creationId xmlns:a16="http://schemas.microsoft.com/office/drawing/2014/main" id="{2A6B75BC-1E0A-7F4A-AF71-170B1FB1708C}"/>
+                <a16:creationId xmlns:a16="http://schemas.microsoft.com/office/drawing/2014/main" xmlns="" id="{2A6B75BC-1E0A-7F4A-AF71-170B1FB1708C}"/>
               </a:ext>
             </a:extLst>
           </p:cNvPr>
@@ -12947,7 +13127,7 @@
           <p:cNvPr id="2" name="Title 1">
             <a:extLst>
               <a:ext uri="{FF2B5EF4-FFF2-40B4-BE49-F238E27FC236}">
-                <a16:creationId xmlns:a16="http://schemas.microsoft.com/office/drawing/2014/main" id="{6DF18FD4-9F3C-7142-B4BE-614A9DC51471}"/>
+                <a16:creationId xmlns:a16="http://schemas.microsoft.com/office/drawing/2014/main" xmlns="" id="{6DF18FD4-9F3C-7142-B4BE-614A9DC51471}"/>
               </a:ext>
             </a:extLst>
           </p:cNvPr>
@@ -12975,7 +13155,7 @@
           <p:cNvPr id="3" name="Content Placeholder 2">
             <a:extLst>
               <a:ext uri="{FF2B5EF4-FFF2-40B4-BE49-F238E27FC236}">
-                <a16:creationId xmlns:a16="http://schemas.microsoft.com/office/drawing/2014/main" id="{09AA2837-7F31-1A4A-9F11-4134896897C6}"/>
+                <a16:creationId xmlns:a16="http://schemas.microsoft.com/office/drawing/2014/main" xmlns="" id="{09AA2837-7F31-1A4A-9F11-4134896897C6}"/>
               </a:ext>
             </a:extLst>
           </p:cNvPr>
@@ -13062,7 +13242,7 @@
           <p:cNvPr id="4" name="Title 3">
             <a:extLst>
               <a:ext uri="{FF2B5EF4-FFF2-40B4-BE49-F238E27FC236}">
-                <a16:creationId xmlns:a16="http://schemas.microsoft.com/office/drawing/2014/main" id="{244F2B63-7EC0-0F40-8913-604ADE7061C6}"/>
+                <a16:creationId xmlns:a16="http://schemas.microsoft.com/office/drawing/2014/main" xmlns="" id="{244F2B63-7EC0-0F40-8913-604ADE7061C6}"/>
               </a:ext>
             </a:extLst>
           </p:cNvPr>
@@ -13095,7 +13275,7 @@
           <p:cNvPr id="5" name="Content Placeholder 4">
             <a:extLst>
               <a:ext uri="{FF2B5EF4-FFF2-40B4-BE49-F238E27FC236}">
-                <a16:creationId xmlns:a16="http://schemas.microsoft.com/office/drawing/2014/main" id="{533547D6-8A54-9445-9555-52FD948E5134}"/>
+                <a16:creationId xmlns:a16="http://schemas.microsoft.com/office/drawing/2014/main" xmlns="" id="{533547D6-8A54-9445-9555-52FD948E5134}"/>
               </a:ext>
             </a:extLst>
           </p:cNvPr>
@@ -13212,7 +13392,7 @@
           <p:cNvPr id="2" name="Title 1">
             <a:extLst>
               <a:ext uri="{FF2B5EF4-FFF2-40B4-BE49-F238E27FC236}">
-                <a16:creationId xmlns:a16="http://schemas.microsoft.com/office/drawing/2014/main" id="{6DF18FD4-9F3C-7142-B4BE-614A9DC51471}"/>
+                <a16:creationId xmlns:a16="http://schemas.microsoft.com/office/drawing/2014/main" xmlns="" id="{6DF18FD4-9F3C-7142-B4BE-614A9DC51471}"/>
               </a:ext>
             </a:extLst>
           </p:cNvPr>
@@ -13240,7 +13420,7 @@
           <p:cNvPr id="3" name="Content Placeholder 2">
             <a:extLst>
               <a:ext uri="{FF2B5EF4-FFF2-40B4-BE49-F238E27FC236}">
-                <a16:creationId xmlns:a16="http://schemas.microsoft.com/office/drawing/2014/main" id="{09AA2837-7F31-1A4A-9F11-4134896897C6}"/>
+                <a16:creationId xmlns:a16="http://schemas.microsoft.com/office/drawing/2014/main" xmlns="" id="{09AA2837-7F31-1A4A-9F11-4134896897C6}"/>
               </a:ext>
             </a:extLst>
           </p:cNvPr>
@@ -13381,7 +13561,7 @@
           <p:cNvPr id="2" name="Title 1">
             <a:extLst>
               <a:ext uri="{FF2B5EF4-FFF2-40B4-BE49-F238E27FC236}">
-                <a16:creationId xmlns:a16="http://schemas.microsoft.com/office/drawing/2014/main" id="{6DF18FD4-9F3C-7142-B4BE-614A9DC51471}"/>
+                <a16:creationId xmlns:a16="http://schemas.microsoft.com/office/drawing/2014/main" xmlns="" id="{6DF18FD4-9F3C-7142-B4BE-614A9DC51471}"/>
               </a:ext>
             </a:extLst>
           </p:cNvPr>
@@ -13409,7 +13589,7 @@
           <p:cNvPr id="3" name="Content Placeholder 2">
             <a:extLst>
               <a:ext uri="{FF2B5EF4-FFF2-40B4-BE49-F238E27FC236}">
-                <a16:creationId xmlns:a16="http://schemas.microsoft.com/office/drawing/2014/main" id="{09AA2837-7F31-1A4A-9F11-4134896897C6}"/>
+                <a16:creationId xmlns:a16="http://schemas.microsoft.com/office/drawing/2014/main" xmlns="" id="{09AA2837-7F31-1A4A-9F11-4134896897C6}"/>
               </a:ext>
             </a:extLst>
           </p:cNvPr>
@@ -13473,7 +13653,7 @@
           <p:cNvPr id="2" name="Title 1">
             <a:extLst>
               <a:ext uri="{FF2B5EF4-FFF2-40B4-BE49-F238E27FC236}">
-                <a16:creationId xmlns:a16="http://schemas.microsoft.com/office/drawing/2014/main" id="{05E6BB18-7A62-D44E-850A-94F7BC3A80E0}"/>
+                <a16:creationId xmlns:a16="http://schemas.microsoft.com/office/drawing/2014/main" xmlns="" id="{05E6BB18-7A62-D44E-850A-94F7BC3A80E0}"/>
               </a:ext>
             </a:extLst>
           </p:cNvPr>
@@ -13501,7 +13681,7 @@
           <p:cNvPr id="5" name="Content Placeholder 4">
             <a:extLst>
               <a:ext uri="{FF2B5EF4-FFF2-40B4-BE49-F238E27FC236}">
-                <a16:creationId xmlns:a16="http://schemas.microsoft.com/office/drawing/2014/main" id="{8A061FB4-4AA4-6A4D-9AEB-0626E1DC8D35}"/>
+                <a16:creationId xmlns:a16="http://schemas.microsoft.com/office/drawing/2014/main" xmlns="" id="{8A061FB4-4AA4-6A4D-9AEB-0626E1DC8D35}"/>
               </a:ext>
             </a:extLst>
           </p:cNvPr>
@@ -13530,7 +13710,7 @@
           <p:cNvPr id="6" name="TextBox 5">
             <a:extLst>
               <a:ext uri="{FF2B5EF4-FFF2-40B4-BE49-F238E27FC236}">
-                <a16:creationId xmlns:a16="http://schemas.microsoft.com/office/drawing/2014/main" id="{FA7D0CFB-4EAF-854D-B56A-3D50D4BA0651}"/>
+                <a16:creationId xmlns:a16="http://schemas.microsoft.com/office/drawing/2014/main" xmlns="" id="{FA7D0CFB-4EAF-854D-B56A-3D50D4BA0651}"/>
               </a:ext>
             </a:extLst>
           </p:cNvPr>
@@ -13638,7 +13818,7 @@
           <p:cNvPr id="2" name="Title 1">
             <a:extLst>
               <a:ext uri="{FF2B5EF4-FFF2-40B4-BE49-F238E27FC236}">
-                <a16:creationId xmlns:a16="http://schemas.microsoft.com/office/drawing/2014/main" id="{EFED0ECF-6F8D-9344-8AE3-EBB4DCBC67CC}"/>
+                <a16:creationId xmlns:a16="http://schemas.microsoft.com/office/drawing/2014/main" xmlns="" id="{EFED0ECF-6F8D-9344-8AE3-EBB4DCBC67CC}"/>
               </a:ext>
             </a:extLst>
           </p:cNvPr>
@@ -13678,7 +13858,7 @@
           <p:cNvPr id="3" name="Content Placeholder 2">
             <a:extLst>
               <a:ext uri="{FF2B5EF4-FFF2-40B4-BE49-F238E27FC236}">
-                <a16:creationId xmlns:a16="http://schemas.microsoft.com/office/drawing/2014/main" id="{40294C69-0B37-B94F-A829-41534BD78C29}"/>
+                <a16:creationId xmlns:a16="http://schemas.microsoft.com/office/drawing/2014/main" xmlns="" id="{40294C69-0B37-B94F-A829-41534BD78C29}"/>
               </a:ext>
             </a:extLst>
           </p:cNvPr>
@@ -13845,7 +14025,7 @@
           <p:cNvPr id="2" name="Title 1">
             <a:extLst>
               <a:ext uri="{FF2B5EF4-FFF2-40B4-BE49-F238E27FC236}">
-                <a16:creationId xmlns:a16="http://schemas.microsoft.com/office/drawing/2014/main" id="{CB21381E-1B8F-884B-95E6-354544B768DD}"/>
+                <a16:creationId xmlns:a16="http://schemas.microsoft.com/office/drawing/2014/main" xmlns="" id="{CB21381E-1B8F-884B-95E6-354544B768DD}"/>
               </a:ext>
             </a:extLst>
           </p:cNvPr>
@@ -13873,7 +14053,7 @@
           <p:cNvPr id="3" name="Content Placeholder 2">
             <a:extLst>
               <a:ext uri="{FF2B5EF4-FFF2-40B4-BE49-F238E27FC236}">
-                <a16:creationId xmlns:a16="http://schemas.microsoft.com/office/drawing/2014/main" id="{4016C38D-2BBB-FD41-B007-00C1CFDD4DC5}"/>
+                <a16:creationId xmlns:a16="http://schemas.microsoft.com/office/drawing/2014/main" xmlns="" id="{4016C38D-2BBB-FD41-B007-00C1CFDD4DC5}"/>
               </a:ext>
             </a:extLst>
           </p:cNvPr>
@@ -13944,7 +14124,7 @@
           <p:cNvPr id="2" name="Title 1">
             <a:extLst>
               <a:ext uri="{FF2B5EF4-FFF2-40B4-BE49-F238E27FC236}">
-                <a16:creationId xmlns:a16="http://schemas.microsoft.com/office/drawing/2014/main" id="{ECD94714-1D58-E440-9357-2D1BB2AABF67}"/>
+                <a16:creationId xmlns:a16="http://schemas.microsoft.com/office/drawing/2014/main" xmlns="" id="{ECD94714-1D58-E440-9357-2D1BB2AABF67}"/>
               </a:ext>
             </a:extLst>
           </p:cNvPr>
@@ -13972,7 +14152,7 @@
           <p:cNvPr id="3" name="Content Placeholder 2">
             <a:extLst>
               <a:ext uri="{FF2B5EF4-FFF2-40B4-BE49-F238E27FC236}">
-                <a16:creationId xmlns:a16="http://schemas.microsoft.com/office/drawing/2014/main" id="{E239A593-B240-8D45-A095-A5E6CD7E2EDC}"/>
+                <a16:creationId xmlns:a16="http://schemas.microsoft.com/office/drawing/2014/main" xmlns="" id="{E239A593-B240-8D45-A095-A5E6CD7E2EDC}"/>
               </a:ext>
             </a:extLst>
           </p:cNvPr>
@@ -14088,7 +14268,7 @@
           <p:cNvPr id="2" name="Title 1">
             <a:extLst>
               <a:ext uri="{FF2B5EF4-FFF2-40B4-BE49-F238E27FC236}">
-                <a16:creationId xmlns:a16="http://schemas.microsoft.com/office/drawing/2014/main" id="{3AF0760F-2073-6C48-83BF-5E6B0C452FD4}"/>
+                <a16:creationId xmlns:a16="http://schemas.microsoft.com/office/drawing/2014/main" xmlns="" id="{3AF0760F-2073-6C48-83BF-5E6B0C452FD4}"/>
               </a:ext>
             </a:extLst>
           </p:cNvPr>
@@ -14116,7 +14296,7 @@
           <p:cNvPr id="3" name="Content Placeholder 2">
             <a:extLst>
               <a:ext uri="{FF2B5EF4-FFF2-40B4-BE49-F238E27FC236}">
-                <a16:creationId xmlns:a16="http://schemas.microsoft.com/office/drawing/2014/main" id="{392A0175-84F9-004E-A455-07D091245A37}"/>
+                <a16:creationId xmlns:a16="http://schemas.microsoft.com/office/drawing/2014/main" xmlns="" id="{392A0175-84F9-004E-A455-07D091245A37}"/>
               </a:ext>
             </a:extLst>
           </p:cNvPr>
@@ -14202,7 +14382,7 @@
           <p:cNvPr id="2" name="Title 1">
             <a:extLst>
               <a:ext uri="{FF2B5EF4-FFF2-40B4-BE49-F238E27FC236}">
-                <a16:creationId xmlns:a16="http://schemas.microsoft.com/office/drawing/2014/main" id="{E0C2867D-EB4D-DB44-9325-4C0729D7922B}"/>
+                <a16:creationId xmlns:a16="http://schemas.microsoft.com/office/drawing/2014/main" xmlns="" id="{E0C2867D-EB4D-DB44-9325-4C0729D7922B}"/>
               </a:ext>
             </a:extLst>
           </p:cNvPr>
@@ -14230,7 +14410,7 @@
           <p:cNvPr id="3" name="Content Placeholder 2">
             <a:extLst>
               <a:ext uri="{FF2B5EF4-FFF2-40B4-BE49-F238E27FC236}">
-                <a16:creationId xmlns:a16="http://schemas.microsoft.com/office/drawing/2014/main" id="{C5388B5B-0AC5-9945-BA73-BC492494B82E}"/>
+                <a16:creationId xmlns:a16="http://schemas.microsoft.com/office/drawing/2014/main" xmlns="" id="{C5388B5B-0AC5-9945-BA73-BC492494B82E}"/>
               </a:ext>
             </a:extLst>
           </p:cNvPr>
@@ -14316,7 +14496,7 @@
           <p:cNvPr id="2" name="Title 1">
             <a:extLst>
               <a:ext uri="{FF2B5EF4-FFF2-40B4-BE49-F238E27FC236}">
-                <a16:creationId xmlns:a16="http://schemas.microsoft.com/office/drawing/2014/main" id="{56CFC47B-66CE-D140-B2CA-02B0DBB904B7}"/>
+                <a16:creationId xmlns:a16="http://schemas.microsoft.com/office/drawing/2014/main" xmlns="" id="{56CFC47B-66CE-D140-B2CA-02B0DBB904B7}"/>
               </a:ext>
             </a:extLst>
           </p:cNvPr>
@@ -14349,7 +14529,7 @@
           <p:cNvPr id="4" name="Content Placeholder 3">
             <a:extLst>
               <a:ext uri="{FF2B5EF4-FFF2-40B4-BE49-F238E27FC236}">
-                <a16:creationId xmlns:a16="http://schemas.microsoft.com/office/drawing/2014/main" id="{731A9C7F-7F05-2541-A0EC-03881D111E44}"/>
+                <a16:creationId xmlns:a16="http://schemas.microsoft.com/office/drawing/2014/main" xmlns="" id="{731A9C7F-7F05-2541-A0EC-03881D111E44}"/>
               </a:ext>
             </a:extLst>
           </p:cNvPr>
@@ -14410,7 +14590,7 @@
           <p:cNvPr id="2" name="Title 1">
             <a:extLst>
               <a:ext uri="{FF2B5EF4-FFF2-40B4-BE49-F238E27FC236}">
-                <a16:creationId xmlns:a16="http://schemas.microsoft.com/office/drawing/2014/main" id="{5EA293D8-8809-1D4C-9364-863557034033}"/>
+                <a16:creationId xmlns:a16="http://schemas.microsoft.com/office/drawing/2014/main" xmlns="" id="{5EA293D8-8809-1D4C-9364-863557034033}"/>
               </a:ext>
             </a:extLst>
           </p:cNvPr>
@@ -14438,7 +14618,7 @@
           <p:cNvPr id="4" name="Content Placeholder 3" descr="tsrt">
             <a:extLst>
               <a:ext uri="{FF2B5EF4-FFF2-40B4-BE49-F238E27FC236}">
-                <a16:creationId xmlns:a16="http://schemas.microsoft.com/office/drawing/2014/main" id="{0A3D7B2C-777A-D743-8AF9-5E5AB1B41293}"/>
+                <a16:creationId xmlns:a16="http://schemas.microsoft.com/office/drawing/2014/main" xmlns="" id="{0A3D7B2C-777A-D743-8AF9-5E5AB1B41293}"/>
               </a:ext>
             </a:extLst>
           </p:cNvPr>
@@ -14469,7 +14649,7 @@
           <p:cNvPr id="5" name="TextBox 4">
             <a:extLst>
               <a:ext uri="{FF2B5EF4-FFF2-40B4-BE49-F238E27FC236}">
-                <a16:creationId xmlns:a16="http://schemas.microsoft.com/office/drawing/2014/main" id="{7EFFADE3-371C-3248-8FDE-4ABA839EC2C2}"/>
+                <a16:creationId xmlns:a16="http://schemas.microsoft.com/office/drawing/2014/main" xmlns="" id="{7EFFADE3-371C-3248-8FDE-4ABA839EC2C2}"/>
               </a:ext>
             </a:extLst>
           </p:cNvPr>
@@ -14534,7 +14714,7 @@
           <p:cNvPr id="2" name="Title 1">
             <a:extLst>
               <a:ext uri="{FF2B5EF4-FFF2-40B4-BE49-F238E27FC236}">
-                <a16:creationId xmlns:a16="http://schemas.microsoft.com/office/drawing/2014/main" id="{8B93EF62-9774-524F-BA70-95C4F6985F05}"/>
+                <a16:creationId xmlns:a16="http://schemas.microsoft.com/office/drawing/2014/main" xmlns="" id="{8B93EF62-9774-524F-BA70-95C4F6985F05}"/>
               </a:ext>
             </a:extLst>
           </p:cNvPr>
@@ -14568,7 +14748,7 @@
           <p:cNvPr id="5" name="Group 4">
             <a:extLst>
               <a:ext uri="{FF2B5EF4-FFF2-40B4-BE49-F238E27FC236}">
-                <a16:creationId xmlns:a16="http://schemas.microsoft.com/office/drawing/2014/main" id="{36E3CEBF-CE95-B549-B899-B240F9C9A9C9}"/>
+                <a16:creationId xmlns:a16="http://schemas.microsoft.com/office/drawing/2014/main" xmlns="" id="{36E3CEBF-CE95-B549-B899-B240F9C9A9C9}"/>
               </a:ext>
             </a:extLst>
           </p:cNvPr>
@@ -14591,7 +14771,7 @@
             <p:cNvPr id="6" name="Freeform 5">
               <a:extLst>
                 <a:ext uri="{FF2B5EF4-FFF2-40B4-BE49-F238E27FC236}">
-                  <a16:creationId xmlns:a16="http://schemas.microsoft.com/office/drawing/2014/main" id="{12335EB8-E170-CA49-B559-87E037A60571}"/>
+                  <a16:creationId xmlns:a16="http://schemas.microsoft.com/office/drawing/2014/main" xmlns="" id="{12335EB8-E170-CA49-B559-87E037A60571}"/>
                 </a:ext>
               </a:extLst>
             </p:cNvPr>
@@ -14769,7 +14949,7 @@
             <p:cNvPr id="7" name="Freeform 6">
               <a:extLst>
                 <a:ext uri="{FF2B5EF4-FFF2-40B4-BE49-F238E27FC236}">
-                  <a16:creationId xmlns:a16="http://schemas.microsoft.com/office/drawing/2014/main" id="{FD3EB533-0300-244B-A0C0-8D62110DD3D8}"/>
+                  <a16:creationId xmlns:a16="http://schemas.microsoft.com/office/drawing/2014/main" xmlns="" id="{FD3EB533-0300-244B-A0C0-8D62110DD3D8}"/>
                 </a:ext>
               </a:extLst>
             </p:cNvPr>
@@ -14954,7 +15134,7 @@
             <p:cNvPr id="8" name="Freeform 7">
               <a:extLst>
                 <a:ext uri="{FF2B5EF4-FFF2-40B4-BE49-F238E27FC236}">
-                  <a16:creationId xmlns:a16="http://schemas.microsoft.com/office/drawing/2014/main" id="{BDC4CA90-0BDF-2745-B540-B387C8A21DC6}"/>
+                  <a16:creationId xmlns:a16="http://schemas.microsoft.com/office/drawing/2014/main" xmlns="" id="{BDC4CA90-0BDF-2745-B540-B387C8A21DC6}"/>
                 </a:ext>
               </a:extLst>
             </p:cNvPr>
@@ -15132,7 +15312,7 @@
             <p:cNvPr id="9" name="Freeform 8">
               <a:extLst>
                 <a:ext uri="{FF2B5EF4-FFF2-40B4-BE49-F238E27FC236}">
-                  <a16:creationId xmlns:a16="http://schemas.microsoft.com/office/drawing/2014/main" id="{8EBF5834-4924-0B4F-8D82-50807AA56F1E}"/>
+                  <a16:creationId xmlns:a16="http://schemas.microsoft.com/office/drawing/2014/main" xmlns="" id="{8EBF5834-4924-0B4F-8D82-50807AA56F1E}"/>
                 </a:ext>
               </a:extLst>
             </p:cNvPr>
@@ -15315,7 +15495,7 @@
             <p:cNvPr id="10" name="Freeform 9">
               <a:extLst>
                 <a:ext uri="{FF2B5EF4-FFF2-40B4-BE49-F238E27FC236}">
-                  <a16:creationId xmlns:a16="http://schemas.microsoft.com/office/drawing/2014/main" id="{0F27BF58-5D2F-DA42-91E7-38EFC4A3B40B}"/>
+                  <a16:creationId xmlns:a16="http://schemas.microsoft.com/office/drawing/2014/main" xmlns="" id="{0F27BF58-5D2F-DA42-91E7-38EFC4A3B40B}"/>
                 </a:ext>
               </a:extLst>
             </p:cNvPr>
@@ -15493,7 +15673,7 @@
             <p:cNvPr id="11" name="Freeform 10">
               <a:extLst>
                 <a:ext uri="{FF2B5EF4-FFF2-40B4-BE49-F238E27FC236}">
-                  <a16:creationId xmlns:a16="http://schemas.microsoft.com/office/drawing/2014/main" id="{20B2F006-48B9-7348-A532-1BA5ADF10810}"/>
+                  <a16:creationId xmlns:a16="http://schemas.microsoft.com/office/drawing/2014/main" xmlns="" id="{20B2F006-48B9-7348-A532-1BA5ADF10810}"/>
                 </a:ext>
               </a:extLst>
             </p:cNvPr>
@@ -15676,7 +15856,7 @@
             <p:cNvPr id="12" name="Freeform 11">
               <a:extLst>
                 <a:ext uri="{FF2B5EF4-FFF2-40B4-BE49-F238E27FC236}">
-                  <a16:creationId xmlns:a16="http://schemas.microsoft.com/office/drawing/2014/main" id="{35338FDE-248E-E642-8325-65C72E9424CA}"/>
+                  <a16:creationId xmlns:a16="http://schemas.microsoft.com/office/drawing/2014/main" xmlns="" id="{35338FDE-248E-E642-8325-65C72E9424CA}"/>
                 </a:ext>
               </a:extLst>
             </p:cNvPr>
@@ -15858,7 +16038,7 @@
             <p:cNvPr id="13" name="Freeform 12">
               <a:extLst>
                 <a:ext uri="{FF2B5EF4-FFF2-40B4-BE49-F238E27FC236}">
-                  <a16:creationId xmlns:a16="http://schemas.microsoft.com/office/drawing/2014/main" id="{FA6C7577-F7F4-B442-A226-F615D7261115}"/>
+                  <a16:creationId xmlns:a16="http://schemas.microsoft.com/office/drawing/2014/main" xmlns="" id="{FA6C7577-F7F4-B442-A226-F615D7261115}"/>
                 </a:ext>
               </a:extLst>
             </p:cNvPr>
@@ -16041,7 +16221,7 @@
             <p:cNvPr id="14" name="Freeform 13">
               <a:extLst>
                 <a:ext uri="{FF2B5EF4-FFF2-40B4-BE49-F238E27FC236}">
-                  <a16:creationId xmlns:a16="http://schemas.microsoft.com/office/drawing/2014/main" id="{90A39D7A-D391-994B-8890-D1E78B656962}"/>
+                  <a16:creationId xmlns:a16="http://schemas.microsoft.com/office/drawing/2014/main" xmlns="" id="{90A39D7A-D391-994B-8890-D1E78B656962}"/>
                 </a:ext>
               </a:extLst>
             </p:cNvPr>
@@ -16223,7 +16403,7 @@
             <p:cNvPr id="15" name="Freeform 14">
               <a:extLst>
                 <a:ext uri="{FF2B5EF4-FFF2-40B4-BE49-F238E27FC236}">
-                  <a16:creationId xmlns:a16="http://schemas.microsoft.com/office/drawing/2014/main" id="{65604B49-7E75-5142-B071-27C8AD7070AA}"/>
+                  <a16:creationId xmlns:a16="http://schemas.microsoft.com/office/drawing/2014/main" xmlns="" id="{65604B49-7E75-5142-B071-27C8AD7070AA}"/>
                 </a:ext>
               </a:extLst>
             </p:cNvPr>
@@ -16437,7 +16617,7 @@
           <p:cNvPr id="2" name="Title 1">
             <a:extLst>
               <a:ext uri="{FF2B5EF4-FFF2-40B4-BE49-F238E27FC236}">
-                <a16:creationId xmlns:a16="http://schemas.microsoft.com/office/drawing/2014/main" id="{DD31F020-1C5C-A545-9155-414CDB6F8BDA}"/>
+                <a16:creationId xmlns:a16="http://schemas.microsoft.com/office/drawing/2014/main" xmlns="" id="{DD31F020-1C5C-A545-9155-414CDB6F8BDA}"/>
               </a:ext>
             </a:extLst>
           </p:cNvPr>
@@ -16471,7 +16651,7 @@
           <p:cNvPr id="4" name="TextBox 3">
             <a:extLst>
               <a:ext uri="{FF2B5EF4-FFF2-40B4-BE49-F238E27FC236}">
-                <a16:creationId xmlns:a16="http://schemas.microsoft.com/office/drawing/2014/main" id="{DE370071-F8BD-F049-B232-57A64257583D}"/>
+                <a16:creationId xmlns:a16="http://schemas.microsoft.com/office/drawing/2014/main" xmlns="" id="{DE370071-F8BD-F049-B232-57A64257583D}"/>
               </a:ext>
             </a:extLst>
           </p:cNvPr>
@@ -16545,38 +16725,10 @@
       </p:grpSpPr>
       <p:sp>
         <p:nvSpPr>
-          <p:cNvPr id="2" name="Title 1">
-            <a:extLst>
-              <a:ext uri="{FF2B5EF4-FFF2-40B4-BE49-F238E27FC236}">
-                <a16:creationId xmlns:a16="http://schemas.microsoft.com/office/drawing/2014/main" id="{F08CA291-6035-7747-835F-80AC3600E51B}"/>
-              </a:ext>
-            </a:extLst>
-          </p:cNvPr>
-          <p:cNvSpPr>
-            <a:spLocks noGrp="1"/>
-          </p:cNvSpPr>
-          <p:nvPr>
-            <p:ph type="title"/>
-          </p:nvPr>
-        </p:nvSpPr>
-        <p:spPr/>
-        <p:txBody>
-          <a:bodyPr/>
-          <a:lstStyle/>
-          <a:p>
-            <a:r>
-              <a:rPr lang="en-US" dirty="0"/>
-              <a:t>Continuum</a:t>
-            </a:r>
-          </a:p>
-        </p:txBody>
-      </p:sp>
-      <p:sp>
-        <p:nvSpPr>
           <p:cNvPr id="3" name="Content Placeholder 2">
             <a:extLst>
               <a:ext uri="{FF2B5EF4-FFF2-40B4-BE49-F238E27FC236}">
-                <a16:creationId xmlns:a16="http://schemas.microsoft.com/office/drawing/2014/main" id="{FCC6B5F6-B590-4847-A860-0AF5F8BF9B3D}"/>
+                <a16:creationId xmlns:a16="http://schemas.microsoft.com/office/drawing/2014/main" xmlns="" id="{E4B1BF58-18A3-714E-B275-3EA17ABF6358}"/>
               </a:ext>
             </a:extLst>
           </p:cNvPr>
@@ -16594,94 +16746,6 @@
           <a:p>
             <a:r>
               <a:rPr lang="en-US" dirty="0"/>
-              <a:t>Respectful collaboration</a:t>
-            </a:r>
-          </a:p>
-          <a:p>
-            <a:r>
-              <a:rPr lang="en-US" dirty="0"/>
-              <a:t>empowered engineer’s than instruction driven Engineers</a:t>
-            </a:r>
-          </a:p>
-          <a:p>
-            <a:r>
-              <a:rPr lang="en-US" dirty="0"/>
-              <a:t>Close collaboration with other teams - Don’t limit to desk. </a:t>
-            </a:r>
-          </a:p>
-          <a:p>
-            <a:pPr marL="0" indent="0">
-              <a:buNone/>
-            </a:pPr>
-            <a:endParaRPr lang="en-US" dirty="0"/>
-          </a:p>
-          <a:p>
-            <a:pPr marL="0" indent="0" algn="ctr">
-              <a:buNone/>
-            </a:pPr>
-            <a:r>
-              <a:rPr lang="en-US" dirty="0"/>
-              <a:t>There are no stupid questions</a:t>
-            </a:r>
-          </a:p>
-          <a:p>
-            <a:endParaRPr lang="en-US" dirty="0"/>
-          </a:p>
-        </p:txBody>
-      </p:sp>
-    </p:spTree>
-    <p:extLst>
-      <p:ext uri="{BB962C8B-B14F-4D97-AF65-F5344CB8AC3E}">
-        <p14:creationId xmlns:p14="http://schemas.microsoft.com/office/powerpoint/2010/main" val="2396857141"/>
-      </p:ext>
-    </p:extLst>
-  </p:cSld>
-  <p:clrMapOvr>
-    <a:masterClrMapping/>
-  </p:clrMapOvr>
-</p:sld>
-</file>
-
-<file path=ppt/slides/slide24.xml><?xml version="1.0" encoding="utf-8"?>
-<p:sld xmlns:a="http://schemas.openxmlformats.org/drawingml/2006/main" xmlns:r="http://schemas.openxmlformats.org/officeDocument/2006/relationships" xmlns:p="http://schemas.openxmlformats.org/presentationml/2006/main">
-  <p:cSld>
-    <p:spTree>
-      <p:nvGrpSpPr>
-        <p:cNvPr id="1" name=""/>
-        <p:cNvGrpSpPr/>
-        <p:nvPr/>
-      </p:nvGrpSpPr>
-      <p:grpSpPr>
-        <a:xfrm>
-          <a:off x="0" y="0"/>
-          <a:ext cx="0" cy="0"/>
-          <a:chOff x="0" y="0"/>
-          <a:chExt cx="0" cy="0"/>
-        </a:xfrm>
-      </p:grpSpPr>
-      <p:sp>
-        <p:nvSpPr>
-          <p:cNvPr id="3" name="Content Placeholder 2">
-            <a:extLst>
-              <a:ext uri="{FF2B5EF4-FFF2-40B4-BE49-F238E27FC236}">
-                <a16:creationId xmlns:a16="http://schemas.microsoft.com/office/drawing/2014/main" id="{E4B1BF58-18A3-714E-B275-3EA17ABF6358}"/>
-              </a:ext>
-            </a:extLst>
-          </p:cNvPr>
-          <p:cNvSpPr>
-            <a:spLocks noGrp="1"/>
-          </p:cNvSpPr>
-          <p:nvPr>
-            <p:ph idx="1"/>
-          </p:nvPr>
-        </p:nvSpPr>
-        <p:spPr/>
-        <p:txBody>
-          <a:bodyPr/>
-          <a:lstStyle/>
-          <a:p>
-            <a:r>
-              <a:rPr lang="en-US" dirty="0"/>
               <a:t>Continuous Learning</a:t>
             </a:r>
           </a:p>
@@ -16692,7 +16756,7 @@
           <p:cNvPr id="5" name="Picture 4">
             <a:extLst>
               <a:ext uri="{FF2B5EF4-FFF2-40B4-BE49-F238E27FC236}">
-                <a16:creationId xmlns:a16="http://schemas.microsoft.com/office/drawing/2014/main" id="{67F7FBF6-7D33-A54F-B119-DD8270184A53}"/>
+                <a16:creationId xmlns:a16="http://schemas.microsoft.com/office/drawing/2014/main" xmlns="" id="{67F7FBF6-7D33-A54F-B119-DD8270184A53}"/>
               </a:ext>
             </a:extLst>
           </p:cNvPr>
@@ -16722,7 +16786,7 @@
           <p:cNvPr id="7" name="TextBox 6">
             <a:extLst>
               <a:ext uri="{FF2B5EF4-FFF2-40B4-BE49-F238E27FC236}">
-                <a16:creationId xmlns:a16="http://schemas.microsoft.com/office/drawing/2014/main" id="{59159769-2D2B-7640-94B6-1DD1EE665271}"/>
+                <a16:creationId xmlns:a16="http://schemas.microsoft.com/office/drawing/2014/main" xmlns="" id="{59159769-2D2B-7640-94B6-1DD1EE665271}"/>
               </a:ext>
             </a:extLst>
           </p:cNvPr>
@@ -16787,7 +16851,7 @@
           <p:cNvPr id="2" name="Title 1">
             <a:extLst>
               <a:ext uri="{FF2B5EF4-FFF2-40B4-BE49-F238E27FC236}">
-                <a16:creationId xmlns:a16="http://schemas.microsoft.com/office/drawing/2014/main" id="{180B9B16-D3BC-3D44-8269-12A4C3C820E6}"/>
+                <a16:creationId xmlns:a16="http://schemas.microsoft.com/office/drawing/2014/main" xmlns="" id="{180B9B16-D3BC-3D44-8269-12A4C3C820E6}"/>
               </a:ext>
             </a:extLst>
           </p:cNvPr>
@@ -16815,7 +16879,7 @@
           <p:cNvPr id="5" name="Content Placeholder 4">
             <a:extLst>
               <a:ext uri="{FF2B5EF4-FFF2-40B4-BE49-F238E27FC236}">
-                <a16:creationId xmlns:a16="http://schemas.microsoft.com/office/drawing/2014/main" id="{8D55D210-7948-C946-9570-48D44F1EFBD8}"/>
+                <a16:creationId xmlns:a16="http://schemas.microsoft.com/office/drawing/2014/main" xmlns="" id="{8D55D210-7948-C946-9570-48D44F1EFBD8}"/>
               </a:ext>
             </a:extLst>
           </p:cNvPr>
@@ -16877,7 +16941,7 @@
           <p:cNvPr id="2" name="Title 1">
             <a:extLst>
               <a:ext uri="{FF2B5EF4-FFF2-40B4-BE49-F238E27FC236}">
-                <a16:creationId xmlns:a16="http://schemas.microsoft.com/office/drawing/2014/main" id="{94C1CB95-3C95-0548-86F6-871B4C8FEE7D}"/>
+                <a16:creationId xmlns:a16="http://schemas.microsoft.com/office/drawing/2014/main" xmlns="" id="{94C1CB95-3C95-0548-86F6-871B4C8FEE7D}"/>
               </a:ext>
             </a:extLst>
           </p:cNvPr>
@@ -16905,7 +16969,7 @@
           <p:cNvPr id="5" name="Content Placeholder 4">
             <a:extLst>
               <a:ext uri="{FF2B5EF4-FFF2-40B4-BE49-F238E27FC236}">
-                <a16:creationId xmlns:a16="http://schemas.microsoft.com/office/drawing/2014/main" id="{4BE6E0D4-CBBA-FF47-9FC0-6C467EE36E36}"/>
+                <a16:creationId xmlns:a16="http://schemas.microsoft.com/office/drawing/2014/main" xmlns="" id="{4BE6E0D4-CBBA-FF47-9FC0-6C467EE36E36}"/>
               </a:ext>
             </a:extLst>
           </p:cNvPr>
@@ -16964,7 +17028,7 @@
           <p:cNvPr id="2" name="Title 1">
             <a:extLst>
               <a:ext uri="{FF2B5EF4-FFF2-40B4-BE49-F238E27FC236}">
-                <a16:creationId xmlns:a16="http://schemas.microsoft.com/office/drawing/2014/main" id="{204E0F0C-0670-5F44-971D-6B549AA7D2FF}"/>
+                <a16:creationId xmlns:a16="http://schemas.microsoft.com/office/drawing/2014/main" xmlns="" id="{204E0F0C-0670-5F44-971D-6B549AA7D2FF}"/>
               </a:ext>
             </a:extLst>
           </p:cNvPr>
@@ -16992,7 +17056,7 @@
           <p:cNvPr id="5" name="Content Placeholder 4">
             <a:extLst>
               <a:ext uri="{FF2B5EF4-FFF2-40B4-BE49-F238E27FC236}">
-                <a16:creationId xmlns:a16="http://schemas.microsoft.com/office/drawing/2014/main" id="{5F026A57-F8BF-BB42-9A60-10CCBA162FB8}"/>
+                <a16:creationId xmlns:a16="http://schemas.microsoft.com/office/drawing/2014/main" xmlns="" id="{5F026A57-F8BF-BB42-9A60-10CCBA162FB8}"/>
               </a:ext>
             </a:extLst>
           </p:cNvPr>
@@ -17051,7 +17115,7 @@
           <p:cNvPr id="2" name="Title 1">
             <a:extLst>
               <a:ext uri="{FF2B5EF4-FFF2-40B4-BE49-F238E27FC236}">
-                <a16:creationId xmlns:a16="http://schemas.microsoft.com/office/drawing/2014/main" id="{CBC73A74-5C0A-D444-85D4-E388519A4367}"/>
+                <a16:creationId xmlns:a16="http://schemas.microsoft.com/office/drawing/2014/main" xmlns="" id="{CBC73A74-5C0A-D444-85D4-E388519A4367}"/>
               </a:ext>
             </a:extLst>
           </p:cNvPr>
@@ -17114,7 +17178,7 @@
           <p:cNvPr id="3" name="Content Placeholder 2">
             <a:extLst>
               <a:ext uri="{FF2B5EF4-FFF2-40B4-BE49-F238E27FC236}">
-                <a16:creationId xmlns:a16="http://schemas.microsoft.com/office/drawing/2014/main" id="{5AC10EC5-A606-304F-8E41-CBE71A5EC17D}"/>
+                <a16:creationId xmlns:a16="http://schemas.microsoft.com/office/drawing/2014/main" xmlns="" id="{5AC10EC5-A606-304F-8E41-CBE71A5EC17D}"/>
               </a:ext>
             </a:extLst>
           </p:cNvPr>
@@ -17194,7 +17258,7 @@
           <p:cNvPr id="2" name="Title 1">
             <a:extLst>
               <a:ext uri="{FF2B5EF4-FFF2-40B4-BE49-F238E27FC236}">
-                <a16:creationId xmlns:a16="http://schemas.microsoft.com/office/drawing/2014/main" id="{32B44E29-2A71-644E-A6B8-D820EC414266}"/>
+                <a16:creationId xmlns:a16="http://schemas.microsoft.com/office/drawing/2014/main" xmlns="" id="{32B44E29-2A71-644E-A6B8-D820EC414266}"/>
               </a:ext>
             </a:extLst>
           </p:cNvPr>
@@ -17222,7 +17286,7 @@
           <p:cNvPr id="3" name="Content Placeholder 2">
             <a:extLst>
               <a:ext uri="{FF2B5EF4-FFF2-40B4-BE49-F238E27FC236}">
-                <a16:creationId xmlns:a16="http://schemas.microsoft.com/office/drawing/2014/main" id="{5457ED2E-62B8-2C4A-A2FB-91EC7111372B}"/>
+                <a16:creationId xmlns:a16="http://schemas.microsoft.com/office/drawing/2014/main" xmlns="" id="{5457ED2E-62B8-2C4A-A2FB-91EC7111372B}"/>
               </a:ext>
             </a:extLst>
           </p:cNvPr>
@@ -17333,7 +17397,7 @@
           <p:cNvPr id="2" name="Title 1">
             <a:extLst>
               <a:ext uri="{FF2B5EF4-FFF2-40B4-BE49-F238E27FC236}">
-                <a16:creationId xmlns:a16="http://schemas.microsoft.com/office/drawing/2014/main" id="{6DF18FD4-9F3C-7142-B4BE-614A9DC51471}"/>
+                <a16:creationId xmlns:a16="http://schemas.microsoft.com/office/drawing/2014/main" xmlns="" id="{6DF18FD4-9F3C-7142-B4BE-614A9DC51471}"/>
               </a:ext>
             </a:extLst>
           </p:cNvPr>
@@ -17367,7 +17431,7 @@
           <p:cNvPr id="3" name="Content Placeholder 2">
             <a:extLst>
               <a:ext uri="{FF2B5EF4-FFF2-40B4-BE49-F238E27FC236}">
-                <a16:creationId xmlns:a16="http://schemas.microsoft.com/office/drawing/2014/main" id="{09AA2837-7F31-1A4A-9F11-4134896897C6}"/>
+                <a16:creationId xmlns:a16="http://schemas.microsoft.com/office/drawing/2014/main" xmlns="" id="{09AA2837-7F31-1A4A-9F11-4134896897C6}"/>
               </a:ext>
             </a:extLst>
           </p:cNvPr>
@@ -17409,7 +17473,7 @@
           <p:cNvPr id="4" name="TextBox 3">
             <a:extLst>
               <a:ext uri="{FF2B5EF4-FFF2-40B4-BE49-F238E27FC236}">
-                <a16:creationId xmlns:a16="http://schemas.microsoft.com/office/drawing/2014/main" id="{869D079D-437B-E044-9E9F-5464E3837ED8}"/>
+                <a16:creationId xmlns:a16="http://schemas.microsoft.com/office/drawing/2014/main" xmlns="" id="{869D079D-437B-E044-9E9F-5464E3837ED8}"/>
               </a:ext>
             </a:extLst>
           </p:cNvPr>
